--- a/立项ppt/report.pptx
+++ b/立项ppt/report.pptx
@@ -1,21 +1,21 @@
 
 <file path=ppt/presentation.xml><?xml version="1.0" encoding="utf-8"?>
-<p:presentation xmlns:a="http://schemas.openxmlformats.org/drawingml/2006/main" xmlns:r="http://schemas.openxmlformats.org/officeDocument/2006/relationships" xmlns:p="http://schemas.openxmlformats.org/presentationml/2006/main" xmlns:m="http://schemas.openxmlformats.org/officeDocument/2006/math" xmlns:a14="http://schemas.microsoft.com/office/drawing/2010/main">
+<p:presentation xmlns:a="http://schemas.openxmlformats.org/drawingml/2006/main" xmlns:r="http://schemas.openxmlformats.org/officeDocument/2006/relationships" xmlns:p="http://schemas.openxmlformats.org/presentationml/2006/main">
   <p:sldMasterIdLst>
-    <p:sldMasterId id="2147483648" r:id="rId5"/>
+    <p:sldMasterId id="2147483648" r:id="rId1"/>
   </p:sldMasterIdLst>
   <p:notesMasterIdLst>
-    <p:notesMasterId r:id="rId7"/>
+    <p:notesMasterId r:id="rId10"/>
   </p:notesMasterIdLst>
   <p:sldIdLst>
-    <p:sldId id="256" r:id="rId8"/>
-    <p:sldId id="257" r:id="rId9"/>
-    <p:sldId id="258" r:id="rId10"/>
-    <p:sldId id="259" r:id="rId11"/>
-    <p:sldId id="260" r:id="rId12"/>
-    <p:sldId id="261" r:id="rId13"/>
-    <p:sldId id="262" r:id="rId14"/>
-    <p:sldId id="263" r:id="rId15"/>
+    <p:sldId id="256" r:id="rId2"/>
+    <p:sldId id="257" r:id="rId3"/>
+    <p:sldId id="258" r:id="rId4"/>
+    <p:sldId id="259" r:id="rId5"/>
+    <p:sldId id="260" r:id="rId6"/>
+    <p:sldId id="261" r:id="rId7"/>
+    <p:sldId id="262" r:id="rId8"/>
+    <p:sldId id="263" r:id="rId9"/>
   </p:sldIdLst>
   <p:sldSz cx="13004800" cy="9753600"/>
   <p:notesSz cx="6858000" cy="9144000"/>
@@ -35,7 +35,7 @@
       <a:buFontTx/>
       <a:buNone/>
       <a:tabLst/>
-      <a:defRPr b="0" baseline="0" cap="none" i="0" spc="0" strike="noStrike" sz="1800" u="none" kumimoji="0" normalizeH="0">
+      <a:defRPr kumimoji="0" sz="1800" b="0" i="0" u="none" strike="noStrike" cap="none" spc="0" normalizeH="0" baseline="0">
         <a:ln>
           <a:noFill/>
         </a:ln>
@@ -61,7 +61,7 @@
       <a:buFontTx/>
       <a:buNone/>
       <a:tabLst/>
-      <a:defRPr b="0" baseline="0" cap="none" i="0" spc="0" strike="noStrike" sz="2000" u="none" kumimoji="0" normalizeH="0">
+      <a:defRPr kumimoji="0" sz="2000" b="0" i="0" u="none" strike="noStrike" cap="none" spc="0" normalizeH="0" baseline="0">
         <a:ln>
           <a:noFill/>
         </a:ln>
@@ -91,7 +91,7 @@
       <a:buFontTx/>
       <a:buNone/>
       <a:tabLst/>
-      <a:defRPr b="0" baseline="0" cap="none" i="0" spc="0" strike="noStrike" sz="2000" u="none" kumimoji="0" normalizeH="0">
+      <a:defRPr kumimoji="0" sz="2000" b="0" i="0" u="none" strike="noStrike" cap="none" spc="0" normalizeH="0" baseline="0">
         <a:ln>
           <a:noFill/>
         </a:ln>
@@ -121,7 +121,7 @@
       <a:buFontTx/>
       <a:buNone/>
       <a:tabLst/>
-      <a:defRPr b="0" baseline="0" cap="none" i="0" spc="0" strike="noStrike" sz="2000" u="none" kumimoji="0" normalizeH="0">
+      <a:defRPr kumimoji="0" sz="2000" b="0" i="0" u="none" strike="noStrike" cap="none" spc="0" normalizeH="0" baseline="0">
         <a:ln>
           <a:noFill/>
         </a:ln>
@@ -151,7 +151,7 @@
       <a:buFontTx/>
       <a:buNone/>
       <a:tabLst/>
-      <a:defRPr b="0" baseline="0" cap="none" i="0" spc="0" strike="noStrike" sz="2000" u="none" kumimoji="0" normalizeH="0">
+      <a:defRPr kumimoji="0" sz="2000" b="0" i="0" u="none" strike="noStrike" cap="none" spc="0" normalizeH="0" baseline="0">
         <a:ln>
           <a:noFill/>
         </a:ln>
@@ -181,7 +181,7 @@
       <a:buFontTx/>
       <a:buNone/>
       <a:tabLst/>
-      <a:defRPr b="0" baseline="0" cap="none" i="0" spc="0" strike="noStrike" sz="2000" u="none" kumimoji="0" normalizeH="0">
+      <a:defRPr kumimoji="0" sz="2000" b="0" i="0" u="none" strike="noStrike" cap="none" spc="0" normalizeH="0" baseline="0">
         <a:ln>
           <a:noFill/>
         </a:ln>
@@ -211,7 +211,7 @@
       <a:buFontTx/>
       <a:buNone/>
       <a:tabLst/>
-      <a:defRPr b="0" baseline="0" cap="none" i="0" spc="0" strike="noStrike" sz="2000" u="none" kumimoji="0" normalizeH="0">
+      <a:defRPr kumimoji="0" sz="2000" b="0" i="0" u="none" strike="noStrike" cap="none" spc="0" normalizeH="0" baseline="0">
         <a:ln>
           <a:noFill/>
         </a:ln>
@@ -241,7 +241,7 @@
       <a:buFontTx/>
       <a:buNone/>
       <a:tabLst/>
-      <a:defRPr b="0" baseline="0" cap="none" i="0" spc="0" strike="noStrike" sz="2000" u="none" kumimoji="0" normalizeH="0">
+      <a:defRPr kumimoji="0" sz="2000" b="0" i="0" u="none" strike="noStrike" cap="none" spc="0" normalizeH="0" baseline="0">
         <a:ln>
           <a:noFill/>
         </a:ln>
@@ -271,7 +271,7 @@
       <a:buFontTx/>
       <a:buNone/>
       <a:tabLst/>
-      <a:defRPr b="0" baseline="0" cap="none" i="0" spc="0" strike="noStrike" sz="2000" u="none" kumimoji="0" normalizeH="0">
+      <a:defRPr kumimoji="0" sz="2000" b="0" i="0" u="none" strike="noStrike" cap="none" spc="0" normalizeH="0" baseline="0">
         <a:ln>
           <a:noFill/>
         </a:ln>
@@ -301,7 +301,7 @@
       <a:buFontTx/>
       <a:buNone/>
       <a:tabLst/>
-      <a:defRPr b="0" baseline="0" cap="none" i="0" spc="0" strike="noStrike" sz="2000" u="none" kumimoji="0" normalizeH="0">
+      <a:defRPr kumimoji="0" sz="2000" b="0" i="0" u="none" strike="noStrike" cap="none" spc="0" normalizeH="0" baseline="0">
         <a:ln>
           <a:noFill/>
         </a:ln>
@@ -320,13 +320,14 @@
 </p:presentation>
 </file>
 
-<file path=ppt/commentAuthors.xml><?xml version="1.0" encoding="utf-8"?>
-<p:cmAuthorLst xmlns:a="http://schemas.openxmlformats.org/drawingml/2006/main" xmlns:r="http://schemas.openxmlformats.org/officeDocument/2006/relationships" xmlns:p="http://schemas.openxmlformats.org/presentationml/2006/main" xmlns:m="http://schemas.openxmlformats.org/officeDocument/2006/math" xmlns:a14="http://schemas.microsoft.com/office/drawing/2010/main"/>
-</file>
-
 <file path=ppt/notesMasters/notesMaster1.xml><?xml version="1.0" encoding="utf-8"?>
-<p:notesMaster xmlns:a="http://schemas.openxmlformats.org/drawingml/2006/main" xmlns:r="http://schemas.openxmlformats.org/officeDocument/2006/relationships" xmlns:p="http://schemas.openxmlformats.org/presentationml/2006/main" xmlns:m="http://schemas.openxmlformats.org/officeDocument/2006/math" xmlns:a14="http://schemas.microsoft.com/office/drawing/2010/main">
+<p:notesMaster xmlns:a="http://schemas.openxmlformats.org/drawingml/2006/main" xmlns:r="http://schemas.openxmlformats.org/officeDocument/2006/relationships" xmlns:p="http://schemas.openxmlformats.org/presentationml/2006/main">
   <p:cSld>
+    <p:bg>
+      <p:bgRef idx="1001">
+        <a:schemeClr val="bg1"/>
+      </p:bgRef>
+    </p:bg>
     <p:spTree>
       <p:nvGrpSpPr>
         <p:cNvPr id="1" name=""/>
@@ -344,7 +345,9 @@
       <p:sp>
         <p:nvSpPr>
           <p:cNvPr id="163" name="Shape 163"/>
-          <p:cNvSpPr/>
+          <p:cNvSpPr>
+            <a:spLocks noGrp="1" noRot="1" noChangeAspect="1"/>
+          </p:cNvSpPr>
           <p:nvPr>
             <p:ph type="sldImg"/>
           </p:nvPr>
@@ -362,14 +365,16 @@
           <a:bodyPr/>
           <a:lstStyle/>
           <a:p>
-            <a:pPr/>
+            <a:endParaRPr/>
           </a:p>
         </p:txBody>
       </p:sp>
       <p:sp>
         <p:nvSpPr>
           <p:cNvPr id="164" name="Shape 164"/>
-          <p:cNvSpPr/>
+          <p:cNvSpPr>
+            <a:spLocks noGrp="1"/>
+          </p:cNvSpPr>
           <p:nvPr>
             <p:ph type="body" sz="quarter" idx="1"/>
           </p:nvPr>
@@ -387,7 +392,7 @@
           <a:bodyPr/>
           <a:lstStyle/>
           <a:p>
-            <a:pPr/>
+            <a:endParaRPr/>
           </a:p>
         </p:txBody>
       </p:sp>
@@ -499,13 +504,14 @@
 </file>
 
 <file path=ppt/slideLayouts/slideLayout1.xml><?xml version="1.0" encoding="utf-8"?>
-<p:sldLayout xmlns:a="http://schemas.openxmlformats.org/drawingml/2006/main" xmlns:r="http://schemas.openxmlformats.org/officeDocument/2006/relationships" xmlns:p="http://schemas.openxmlformats.org/presentationml/2006/main" xmlns:m="http://schemas.openxmlformats.org/officeDocument/2006/math" xmlns:a14="http://schemas.microsoft.com/office/drawing/2010/main" type="title" showMasterSp="0" showMasterPhAnim="1">
+<p:sldLayout xmlns:a="http://schemas.openxmlformats.org/drawingml/2006/main" xmlns:r="http://schemas.openxmlformats.org/officeDocument/2006/relationships" xmlns:p="http://schemas.openxmlformats.org/presentationml/2006/main" showMasterSp="0" type="title">
   <p:cSld name="标题与副标题">
     <p:bg>
       <p:bgPr>
         <a:solidFill>
           <a:srgbClr val="222222"/>
         </a:solidFill>
+        <a:effectLst/>
       </p:bgPr>
     </p:bg>
     <p:spTree>
@@ -561,13 +567,16 @@
                 <a:sym typeface="Helvetica"/>
               </a:defRPr>
             </a:pPr>
+            <a:endParaRPr/>
           </a:p>
         </p:txBody>
       </p:sp>
       <p:sp>
         <p:nvSpPr>
           <p:cNvPr id="13" name="标题文本"/>
-          <p:cNvSpPr txBox="1"/>
+          <p:cNvSpPr txBox="1">
+            <a:spLocks noGrp="1"/>
+          </p:cNvSpPr>
           <p:nvPr>
             <p:ph type="title"/>
           </p:nvPr>
@@ -592,7 +601,6 @@
             </a:lvl1pPr>
           </a:lstStyle>
           <a:p>
-            <a:pPr/>
             <a:r>
               <a:t>标题文本</a:t>
             </a:r>
@@ -602,7 +610,9 @@
       <p:sp>
         <p:nvSpPr>
           <p:cNvPr id="14" name="正文级别 1…"/>
-          <p:cNvSpPr txBox="1"/>
+          <p:cNvSpPr txBox="1">
+            <a:spLocks noGrp="1"/>
+          </p:cNvSpPr>
           <p:nvPr>
             <p:ph type="body" sz="quarter" idx="1"/>
           </p:nvPr>
@@ -630,7 +640,7 @@
               <a:buSzTx/>
               <a:buFontTx/>
               <a:buNone/>
-              <a:defRPr cap="all" sz="5400">
+              <a:defRPr sz="5400" cap="all">
                 <a:solidFill>
                   <a:srgbClr val="A6AAA9"/>
                 </a:solidFill>
@@ -651,7 +661,7 @@
               <a:buSzTx/>
               <a:buFontTx/>
               <a:buNone/>
-              <a:defRPr cap="all" sz="5400">
+              <a:defRPr sz="5400" cap="all">
                 <a:solidFill>
                   <a:srgbClr val="A6AAA9"/>
                 </a:solidFill>
@@ -672,7 +682,7 @@
               <a:buSzTx/>
               <a:buFontTx/>
               <a:buNone/>
-              <a:defRPr cap="all" sz="5400">
+              <a:defRPr sz="5400" cap="all">
                 <a:solidFill>
                   <a:srgbClr val="A6AAA9"/>
                 </a:solidFill>
@@ -693,7 +703,7 @@
               <a:buSzTx/>
               <a:buFontTx/>
               <a:buNone/>
-              <a:defRPr cap="all" sz="5400">
+              <a:defRPr sz="5400" cap="all">
                 <a:solidFill>
                   <a:srgbClr val="A6AAA9"/>
                 </a:solidFill>
@@ -714,7 +724,7 @@
               <a:buSzTx/>
               <a:buFontTx/>
               <a:buNone/>
-              <a:defRPr cap="all" sz="5400">
+              <a:defRPr sz="5400" cap="all">
                 <a:solidFill>
                   <a:srgbClr val="A6AAA9"/>
                 </a:solidFill>
@@ -726,7 +736,6 @@
             </a:lvl5pPr>
           </a:lstStyle>
           <a:p>
-            <a:pPr/>
             <a:r>
               <a:t>正文级别 1</a:t>
             </a:r>
@@ -760,7 +769,9 @@
       <p:sp>
         <p:nvSpPr>
           <p:cNvPr id="15" name="幻灯片编号"/>
-          <p:cNvSpPr txBox="1"/>
+          <p:cNvSpPr txBox="1">
+            <a:spLocks noGrp="1"/>
+          </p:cNvSpPr>
           <p:nvPr>
             <p:ph type="sldNum" sz="quarter" idx="2"/>
           </p:nvPr>
@@ -778,8 +789,10 @@
           <a:bodyPr/>
           <a:lstStyle/>
           <a:p>
-            <a:pPr/>
-            <a:fld id="{86CB4B4D-7CA3-9044-876B-883B54F8677D}" type="slidenum"/>
+            <a:fld id="{86CB4B4D-7CA3-9044-876B-883B54F8677D}" type="slidenum">
+              <a:t>‹#›</a:t>
+            </a:fld>
+            <a:endParaRPr/>
           </a:p>
         </p:txBody>
       </p:sp>
@@ -788,18 +801,19 @@
   <p:clrMapOvr>
     <a:masterClrMapping/>
   </p:clrMapOvr>
-  <p:transition xmlns:p14="http://schemas.microsoft.com/office/powerpoint/2010/main" spd="med" advClick="1"/>
+  <p:transition spd="med"/>
 </p:sldLayout>
 </file>
 
 <file path=ppt/slideLayouts/slideLayout10.xml><?xml version="1.0" encoding="utf-8"?>
-<p:sldLayout xmlns:a="http://schemas.openxmlformats.org/drawingml/2006/main" xmlns:r="http://schemas.openxmlformats.org/officeDocument/2006/relationships" xmlns:p="http://schemas.openxmlformats.org/presentationml/2006/main" xmlns:m="http://schemas.openxmlformats.org/officeDocument/2006/math" xmlns:a14="http://schemas.microsoft.com/office/drawing/2010/main" type="tx" showMasterSp="1" showMasterPhAnim="1">
+<p:sldLayout xmlns:a="http://schemas.openxmlformats.org/drawingml/2006/main" xmlns:r="http://schemas.openxmlformats.org/officeDocument/2006/relationships" xmlns:p="http://schemas.openxmlformats.org/presentationml/2006/main" type="tx">
   <p:cSld name="项目符号">
     <p:bg>
       <p:bgPr>
         <a:solidFill>
           <a:srgbClr val="222222"/>
         </a:solidFill>
+        <a:effectLst/>
       </p:bgPr>
     </p:bg>
     <p:spTree>
@@ -819,7 +833,9 @@
       <p:sp>
         <p:nvSpPr>
           <p:cNvPr id="102" name="文本"/>
-          <p:cNvSpPr txBox="1"/>
+          <p:cNvSpPr txBox="1">
+            <a:spLocks noGrp="1"/>
+          </p:cNvSpPr>
           <p:nvPr>
             <p:ph type="body" sz="quarter" idx="13"/>
           </p:nvPr>
@@ -849,7 +865,7 @@
               <a:buSzTx/>
               <a:buFontTx/>
               <a:buNone/>
-              <a:defRPr b="1" cap="all" spc="120" sz="2400">
+              <a:defRPr sz="2400" b="1" cap="all" spc="120">
                 <a:latin typeface="+mn-lt"/>
                 <a:ea typeface="+mn-ea"/>
                 <a:cs typeface="+mn-cs"/>
@@ -858,7 +874,6 @@
             </a:lvl1pPr>
           </a:lstStyle>
           <a:p>
-            <a:pPr/>
             <a:r>
               <a:t>文本</a:t>
             </a:r>
@@ -868,7 +883,9 @@
       <p:sp>
         <p:nvSpPr>
           <p:cNvPr id="103" name="正文级别 1…"/>
-          <p:cNvSpPr txBox="1"/>
+          <p:cNvSpPr txBox="1">
+            <a:spLocks noGrp="1"/>
+          </p:cNvSpPr>
           <p:nvPr>
             <p:ph type="body" idx="1"/>
           </p:nvPr>
@@ -913,7 +930,6 @@
             </a:lvl5pPr>
           </a:lstStyle>
           <a:p>
-            <a:pPr/>
             <a:r>
               <a:t>正文级别 1</a:t>
             </a:r>
@@ -947,7 +963,9 @@
       <p:sp>
         <p:nvSpPr>
           <p:cNvPr id="104" name="幻灯片编号"/>
-          <p:cNvSpPr txBox="1"/>
+          <p:cNvSpPr txBox="1">
+            <a:spLocks noGrp="1"/>
+          </p:cNvSpPr>
           <p:nvPr>
             <p:ph type="sldNum" sz="quarter" idx="2"/>
           </p:nvPr>
@@ -961,8 +979,10 @@
           <a:bodyPr/>
           <a:lstStyle/>
           <a:p>
-            <a:pPr/>
-            <a:fld id="{86CB4B4D-7CA3-9044-876B-883B54F8677D}" type="slidenum"/>
+            <a:fld id="{86CB4B4D-7CA3-9044-876B-883B54F8677D}" type="slidenum">
+              <a:t>‹#›</a:t>
+            </a:fld>
+            <a:endParaRPr/>
           </a:p>
         </p:txBody>
       </p:sp>
@@ -971,18 +991,19 @@
   <p:clrMapOvr>
     <a:masterClrMapping/>
   </p:clrMapOvr>
-  <p:transition xmlns:p14="http://schemas.microsoft.com/office/powerpoint/2010/main" spd="med" advClick="1"/>
+  <p:transition spd="med"/>
 </p:sldLayout>
 </file>
 
 <file path=ppt/slideLayouts/slideLayout11.xml><?xml version="1.0" encoding="utf-8"?>
-<p:sldLayout xmlns:a="http://schemas.openxmlformats.org/drawingml/2006/main" xmlns:r="http://schemas.openxmlformats.org/officeDocument/2006/relationships" xmlns:p="http://schemas.openxmlformats.org/presentationml/2006/main" xmlns:m="http://schemas.openxmlformats.org/officeDocument/2006/math" xmlns:a14="http://schemas.microsoft.com/office/drawing/2010/main" type="tx" showMasterSp="0" showMasterPhAnim="1">
+<p:sldLayout xmlns:a="http://schemas.openxmlformats.org/drawingml/2006/main" xmlns:r="http://schemas.openxmlformats.org/officeDocument/2006/relationships" xmlns:p="http://schemas.openxmlformats.org/presentationml/2006/main" showMasterSp="0" type="tx">
   <p:cSld name="照片 - 3 联">
     <p:bg>
       <p:bgPr>
         <a:solidFill>
           <a:srgbClr val="222222"/>
         </a:solidFill>
+        <a:effectLst/>
       </p:bgPr>
     </p:bg>
     <p:spTree>
@@ -1002,7 +1023,9 @@
       <p:sp>
         <p:nvSpPr>
           <p:cNvPr id="111" name="图像"/>
-          <p:cNvSpPr/>
+          <p:cNvSpPr>
+            <a:spLocks noGrp="1"/>
+          </p:cNvSpPr>
           <p:nvPr>
             <p:ph type="pic" sz="half" idx="13"/>
           </p:nvPr>
@@ -1022,14 +1045,16 @@
           </a:bodyPr>
           <a:lstStyle/>
           <a:p>
-            <a:pPr/>
+            <a:endParaRPr/>
           </a:p>
         </p:txBody>
       </p:sp>
       <p:sp>
         <p:nvSpPr>
           <p:cNvPr id="112" name="图像"/>
-          <p:cNvSpPr/>
+          <p:cNvSpPr>
+            <a:spLocks noGrp="1"/>
+          </p:cNvSpPr>
           <p:nvPr>
             <p:ph type="pic" sz="half" idx="14"/>
           </p:nvPr>
@@ -1049,14 +1074,16 @@
           </a:bodyPr>
           <a:lstStyle/>
           <a:p>
-            <a:pPr/>
+            <a:endParaRPr/>
           </a:p>
         </p:txBody>
       </p:sp>
       <p:sp>
         <p:nvSpPr>
           <p:cNvPr id="113" name="图像"/>
-          <p:cNvSpPr/>
+          <p:cNvSpPr>
+            <a:spLocks noGrp="1"/>
+          </p:cNvSpPr>
           <p:nvPr>
             <p:ph type="pic" idx="15"/>
           </p:nvPr>
@@ -1076,14 +1103,16 @@
           </a:bodyPr>
           <a:lstStyle/>
           <a:p>
-            <a:pPr/>
+            <a:endParaRPr/>
           </a:p>
         </p:txBody>
       </p:sp>
       <p:sp>
         <p:nvSpPr>
           <p:cNvPr id="114" name="幻灯片编号"/>
-          <p:cNvSpPr txBox="1"/>
+          <p:cNvSpPr txBox="1">
+            <a:spLocks noGrp="1"/>
+          </p:cNvSpPr>
           <p:nvPr>
             <p:ph type="sldNum" sz="quarter" idx="2"/>
           </p:nvPr>
@@ -1097,8 +1126,10 @@
           <a:bodyPr/>
           <a:lstStyle/>
           <a:p>
-            <a:pPr/>
-            <a:fld id="{86CB4B4D-7CA3-9044-876B-883B54F8677D}" type="slidenum"/>
+            <a:fld id="{86CB4B4D-7CA3-9044-876B-883B54F8677D}" type="slidenum">
+              <a:t>‹#›</a:t>
+            </a:fld>
+            <a:endParaRPr/>
           </a:p>
         </p:txBody>
       </p:sp>
@@ -1107,18 +1138,19 @@
   <p:clrMapOvr>
     <a:masterClrMapping/>
   </p:clrMapOvr>
-  <p:transition xmlns:p14="http://schemas.microsoft.com/office/powerpoint/2010/main" spd="med" advClick="1"/>
+  <p:transition spd="med"/>
 </p:sldLayout>
 </file>
 
 <file path=ppt/slideLayouts/slideLayout12.xml><?xml version="1.0" encoding="utf-8"?>
-<p:sldLayout xmlns:a="http://schemas.openxmlformats.org/drawingml/2006/main" xmlns:r="http://schemas.openxmlformats.org/officeDocument/2006/relationships" xmlns:p="http://schemas.openxmlformats.org/presentationml/2006/main" xmlns:m="http://schemas.openxmlformats.org/officeDocument/2006/math" xmlns:a14="http://schemas.microsoft.com/office/drawing/2010/main" type="tx" showMasterSp="1" showMasterPhAnim="1">
+<p:sldLayout xmlns:a="http://schemas.openxmlformats.org/drawingml/2006/main" xmlns:r="http://schemas.openxmlformats.org/officeDocument/2006/relationships" xmlns:p="http://schemas.openxmlformats.org/presentationml/2006/main" type="tx">
   <p:cSld name="引文">
     <p:bg>
       <p:bgPr>
         <a:solidFill>
           <a:srgbClr val="222222"/>
         </a:solidFill>
+        <a:effectLst/>
       </p:bgPr>
     </p:bg>
     <p:spTree>
@@ -1166,7 +1198,7 @@
             </a:cxnLst>
             <a:rect l="0" t="0" r="r" b="b"/>
             <a:pathLst>
-              <a:path w="21600" h="21600" fill="norm" stroke="1" extrusionOk="0">
+              <a:path w="21600" h="21600" extrusionOk="0">
                 <a:moveTo>
                   <a:pt x="224" y="0"/>
                 </a:moveTo>
@@ -1233,7 +1265,7 @@
               <a:spcBef>
                 <a:spcPts val="0"/>
               </a:spcBef>
-              <a:defRPr b="1" cap="all" sz="2800">
+              <a:defRPr sz="2800" b="1" cap="all">
                 <a:solidFill>
                   <a:srgbClr val="FFFFFF"/>
                 </a:solidFill>
@@ -1243,13 +1275,16 @@
                 <a:sym typeface="Baskerville"/>
               </a:defRPr>
             </a:pPr>
+            <a:endParaRPr/>
           </a:p>
         </p:txBody>
       </p:sp>
       <p:sp>
         <p:nvSpPr>
           <p:cNvPr id="122" name="在此键入引文。"/>
-          <p:cNvSpPr txBox="1"/>
+          <p:cNvSpPr txBox="1">
+            <a:spLocks noGrp="1"/>
+          </p:cNvSpPr>
           <p:nvPr>
             <p:ph type="body" sz="quarter" idx="13"/>
           </p:nvPr>
@@ -1279,7 +1314,7 @@
               <a:buSzTx/>
               <a:buFontTx/>
               <a:buNone/>
-              <a:defRPr b="1" cap="all" sz="9400">
+              <a:defRPr sz="9400" b="1" cap="all">
                 <a:solidFill>
                   <a:srgbClr val="FFFFFF"/>
                 </a:solidFill>
@@ -1291,7 +1326,6 @@
             </a:lvl1pPr>
           </a:lstStyle>
           <a:p>
-            <a:pPr/>
             <a:r>
               <a:t>在此键入引文。</a:t>
             </a:r>
@@ -1301,7 +1335,9 @@
       <p:sp>
         <p:nvSpPr>
           <p:cNvPr id="123" name="Johnny Appleseed"/>
-          <p:cNvSpPr txBox="1"/>
+          <p:cNvSpPr txBox="1">
+            <a:spLocks noGrp="1"/>
+          </p:cNvSpPr>
           <p:nvPr>
             <p:ph type="body" sz="quarter" idx="14"/>
           </p:nvPr>
@@ -1340,7 +1376,6 @@
             </a:lvl1pPr>
           </a:lstStyle>
           <a:p>
-            <a:pPr/>
             <a:r>
               <a:t>Johnny Appleseed</a:t>
             </a:r>
@@ -1350,7 +1385,9 @@
       <p:sp>
         <p:nvSpPr>
           <p:cNvPr id="124" name="文本"/>
-          <p:cNvSpPr txBox="1"/>
+          <p:cNvSpPr txBox="1">
+            <a:spLocks noGrp="1"/>
+          </p:cNvSpPr>
           <p:nvPr>
             <p:ph type="body" sz="quarter" idx="15"/>
           </p:nvPr>
@@ -1380,7 +1417,7 @@
               <a:buSzTx/>
               <a:buFontTx/>
               <a:buNone/>
-              <a:defRPr b="1" cap="all" spc="120" sz="2400">
+              <a:defRPr sz="2400" b="1" cap="all" spc="120">
                 <a:latin typeface="+mn-lt"/>
                 <a:ea typeface="+mn-ea"/>
                 <a:cs typeface="+mn-cs"/>
@@ -1389,7 +1426,6 @@
             </a:lvl1pPr>
           </a:lstStyle>
           <a:p>
-            <a:pPr/>
             <a:r>
               <a:t>文本</a:t>
             </a:r>
@@ -1399,7 +1435,9 @@
       <p:sp>
         <p:nvSpPr>
           <p:cNvPr id="125" name="幻灯片编号"/>
-          <p:cNvSpPr txBox="1"/>
+          <p:cNvSpPr txBox="1">
+            <a:spLocks noGrp="1"/>
+          </p:cNvSpPr>
           <p:nvPr>
             <p:ph type="sldNum" sz="quarter" idx="2"/>
           </p:nvPr>
@@ -1413,8 +1451,10 @@
           <a:bodyPr/>
           <a:lstStyle/>
           <a:p>
-            <a:pPr/>
-            <a:fld id="{86CB4B4D-7CA3-9044-876B-883B54F8677D}" type="slidenum"/>
+            <a:fld id="{86CB4B4D-7CA3-9044-876B-883B54F8677D}" type="slidenum">
+              <a:t>‹#›</a:t>
+            </a:fld>
+            <a:endParaRPr/>
           </a:p>
         </p:txBody>
       </p:sp>
@@ -1423,18 +1463,19 @@
   <p:clrMapOvr>
     <a:masterClrMapping/>
   </p:clrMapOvr>
-  <p:transition xmlns:p14="http://schemas.microsoft.com/office/powerpoint/2010/main" spd="med" advClick="1"/>
+  <p:transition spd="med"/>
 </p:sldLayout>
 </file>
 
 <file path=ppt/slideLayouts/slideLayout13.xml><?xml version="1.0" encoding="utf-8"?>
-<p:sldLayout xmlns:a="http://schemas.openxmlformats.org/drawingml/2006/main" xmlns:r="http://schemas.openxmlformats.org/officeDocument/2006/relationships" xmlns:p="http://schemas.openxmlformats.org/presentationml/2006/main" xmlns:m="http://schemas.openxmlformats.org/officeDocument/2006/math" xmlns:a14="http://schemas.microsoft.com/office/drawing/2010/main" type="tx" showMasterSp="0" showMasterPhAnim="1">
+<p:sldLayout xmlns:a="http://schemas.openxmlformats.org/drawingml/2006/main" xmlns:r="http://schemas.openxmlformats.org/officeDocument/2006/relationships" xmlns:p="http://schemas.openxmlformats.org/presentationml/2006/main" showMasterSp="0" type="tx">
   <p:cSld name="引文（备选）">
     <p:bg>
       <p:bgPr>
         <a:solidFill>
           <a:schemeClr val="accent1"/>
         </a:solidFill>
+        <a:effectLst/>
       </p:bgPr>
     </p:bg>
     <p:spTree>
@@ -1454,7 +1495,9 @@
       <p:sp>
         <p:nvSpPr>
           <p:cNvPr id="132" name="在此键入引文。"/>
-          <p:cNvSpPr txBox="1"/>
+          <p:cNvSpPr txBox="1">
+            <a:spLocks noGrp="1"/>
+          </p:cNvSpPr>
           <p:nvPr>
             <p:ph type="body" sz="quarter" idx="13"/>
           </p:nvPr>
@@ -1484,7 +1527,7 @@
               <a:buSzTx/>
               <a:buFontTx/>
               <a:buNone/>
-              <a:defRPr b="1" cap="all" sz="9400">
+              <a:defRPr sz="9400" b="1" cap="all">
                 <a:solidFill>
                   <a:srgbClr val="FFFFFF"/>
                 </a:solidFill>
@@ -1496,7 +1539,6 @@
             </a:lvl1pPr>
           </a:lstStyle>
           <a:p>
-            <a:pPr/>
             <a:r>
               <a:t>在此键入引文。</a:t>
             </a:r>
@@ -1506,7 +1548,9 @@
       <p:sp>
         <p:nvSpPr>
           <p:cNvPr id="133" name="图像"/>
-          <p:cNvSpPr/>
+          <p:cNvSpPr>
+            <a:spLocks noGrp="1"/>
+          </p:cNvSpPr>
           <p:nvPr>
             <p:ph type="pic" idx="14"/>
           </p:nvPr>
@@ -1526,14 +1570,16 @@
           </a:bodyPr>
           <a:lstStyle/>
           <a:p>
-            <a:pPr/>
+            <a:endParaRPr/>
           </a:p>
         </p:txBody>
       </p:sp>
       <p:sp>
         <p:nvSpPr>
           <p:cNvPr id="134" name="Johnny Appleseed"/>
-          <p:cNvSpPr txBox="1"/>
+          <p:cNvSpPr txBox="1">
+            <a:spLocks noGrp="1"/>
+          </p:cNvSpPr>
           <p:nvPr>
             <p:ph type="body" sz="quarter" idx="15"/>
           </p:nvPr>
@@ -1560,7 +1606,7 @@
               <a:buSzTx/>
               <a:buFontTx/>
               <a:buNone/>
-              <a:defRPr b="1" sz="6000">
+              <a:defRPr sz="6000" b="1">
                 <a:solidFill>
                   <a:srgbClr val="232323"/>
                 </a:solidFill>
@@ -1572,7 +1618,6 @@
             </a:lvl1pPr>
           </a:lstStyle>
           <a:p>
-            <a:pPr/>
             <a:r>
               <a:t>Johnny Appleseed</a:t>
             </a:r>
@@ -1582,7 +1627,9 @@
       <p:sp>
         <p:nvSpPr>
           <p:cNvPr id="135" name="幻灯片编号"/>
-          <p:cNvSpPr txBox="1"/>
+          <p:cNvSpPr txBox="1">
+            <a:spLocks noGrp="1"/>
+          </p:cNvSpPr>
           <p:nvPr>
             <p:ph type="sldNum" sz="quarter" idx="2"/>
           </p:nvPr>
@@ -1596,8 +1643,10 @@
           <a:bodyPr/>
           <a:lstStyle/>
           <a:p>
-            <a:pPr/>
-            <a:fld id="{86CB4B4D-7CA3-9044-876B-883B54F8677D}" type="slidenum"/>
+            <a:fld id="{86CB4B4D-7CA3-9044-876B-883B54F8677D}" type="slidenum">
+              <a:t>‹#›</a:t>
+            </a:fld>
+            <a:endParaRPr/>
           </a:p>
         </p:txBody>
       </p:sp>
@@ -1606,18 +1655,19 @@
   <p:clrMapOvr>
     <a:masterClrMapping/>
   </p:clrMapOvr>
-  <p:transition xmlns:p14="http://schemas.microsoft.com/office/powerpoint/2010/main" spd="med" advClick="1"/>
+  <p:transition spd="med"/>
 </p:sldLayout>
 </file>
 
 <file path=ppt/slideLayouts/slideLayout14.xml><?xml version="1.0" encoding="utf-8"?>
-<p:sldLayout xmlns:a="http://schemas.openxmlformats.org/drawingml/2006/main" xmlns:r="http://schemas.openxmlformats.org/officeDocument/2006/relationships" xmlns:p="http://schemas.openxmlformats.org/presentationml/2006/main" xmlns:m="http://schemas.openxmlformats.org/officeDocument/2006/math" xmlns:a14="http://schemas.microsoft.com/office/drawing/2010/main" type="tx" showMasterSp="0" showMasterPhAnim="1">
+<p:sldLayout xmlns:a="http://schemas.openxmlformats.org/drawingml/2006/main" xmlns:r="http://schemas.openxmlformats.org/officeDocument/2006/relationships" xmlns:p="http://schemas.openxmlformats.org/presentationml/2006/main" showMasterSp="0" type="tx">
   <p:cSld name="照片">
     <p:bg>
       <p:bgPr>
         <a:solidFill>
           <a:srgbClr val="222222"/>
         </a:solidFill>
+        <a:effectLst/>
       </p:bgPr>
     </p:bg>
     <p:spTree>
@@ -1637,7 +1687,9 @@
       <p:sp>
         <p:nvSpPr>
           <p:cNvPr id="142" name="图像"/>
-          <p:cNvSpPr/>
+          <p:cNvSpPr>
+            <a:spLocks noGrp="1"/>
+          </p:cNvSpPr>
           <p:nvPr>
             <p:ph type="pic" idx="13"/>
           </p:nvPr>
@@ -1657,14 +1709,16 @@
           </a:bodyPr>
           <a:lstStyle/>
           <a:p>
-            <a:pPr/>
+            <a:endParaRPr/>
           </a:p>
         </p:txBody>
       </p:sp>
       <p:sp>
         <p:nvSpPr>
           <p:cNvPr id="143" name="幻灯片编号"/>
-          <p:cNvSpPr txBox="1"/>
+          <p:cNvSpPr txBox="1">
+            <a:spLocks noGrp="1"/>
+          </p:cNvSpPr>
           <p:nvPr>
             <p:ph type="sldNum" sz="quarter" idx="2"/>
           </p:nvPr>
@@ -1678,8 +1732,10 @@
           <a:bodyPr/>
           <a:lstStyle/>
           <a:p>
-            <a:pPr/>
-            <a:fld id="{86CB4B4D-7CA3-9044-876B-883B54F8677D}" type="slidenum"/>
+            <a:fld id="{86CB4B4D-7CA3-9044-876B-883B54F8677D}" type="slidenum">
+              <a:t>‹#›</a:t>
+            </a:fld>
+            <a:endParaRPr/>
           </a:p>
         </p:txBody>
       </p:sp>
@@ -1688,18 +1744,19 @@
   <p:clrMapOvr>
     <a:masterClrMapping/>
   </p:clrMapOvr>
-  <p:transition xmlns:p14="http://schemas.microsoft.com/office/powerpoint/2010/main" spd="med" advClick="1"/>
+  <p:transition spd="med"/>
 </p:sldLayout>
 </file>
 
 <file path=ppt/slideLayouts/slideLayout15.xml><?xml version="1.0" encoding="utf-8"?>
-<p:sldLayout xmlns:a="http://schemas.openxmlformats.org/drawingml/2006/main" xmlns:r="http://schemas.openxmlformats.org/officeDocument/2006/relationships" xmlns:p="http://schemas.openxmlformats.org/presentationml/2006/main" xmlns:m="http://schemas.openxmlformats.org/officeDocument/2006/math" xmlns:a14="http://schemas.microsoft.com/office/drawing/2010/main" type="tx" showMasterSp="0" showMasterPhAnim="1">
+<p:sldLayout xmlns:a="http://schemas.openxmlformats.org/drawingml/2006/main" xmlns:r="http://schemas.openxmlformats.org/officeDocument/2006/relationships" xmlns:p="http://schemas.openxmlformats.org/presentationml/2006/main" showMasterSp="0" type="tx">
   <p:cSld name="空白">
     <p:bg>
       <p:bgPr>
         <a:solidFill>
           <a:srgbClr val="222222"/>
         </a:solidFill>
+        <a:effectLst/>
       </p:bgPr>
     </p:bg>
     <p:spTree>
@@ -1719,7 +1776,9 @@
       <p:sp>
         <p:nvSpPr>
           <p:cNvPr id="150" name="幻灯片编号"/>
-          <p:cNvSpPr txBox="1"/>
+          <p:cNvSpPr txBox="1">
+            <a:spLocks noGrp="1"/>
+          </p:cNvSpPr>
           <p:nvPr>
             <p:ph type="sldNum" sz="quarter" idx="2"/>
           </p:nvPr>
@@ -1733,8 +1792,10 @@
           <a:bodyPr/>
           <a:lstStyle/>
           <a:p>
-            <a:pPr/>
-            <a:fld id="{86CB4B4D-7CA3-9044-876B-883B54F8677D}" type="slidenum"/>
+            <a:fld id="{86CB4B4D-7CA3-9044-876B-883B54F8677D}" type="slidenum">
+              <a:t>‹#›</a:t>
+            </a:fld>
+            <a:endParaRPr/>
           </a:p>
         </p:txBody>
       </p:sp>
@@ -1743,12 +1804,12 @@
   <p:clrMapOvr>
     <a:masterClrMapping/>
   </p:clrMapOvr>
-  <p:transition xmlns:p14="http://schemas.microsoft.com/office/powerpoint/2010/main" spd="med" advClick="1"/>
+  <p:transition spd="med"/>
 </p:sldLayout>
 </file>
 
 <file path=ppt/slideLayouts/slideLayout16.xml><?xml version="1.0" encoding="utf-8"?>
-<p:sldLayout xmlns:a="http://schemas.openxmlformats.org/drawingml/2006/main" xmlns:r="http://schemas.openxmlformats.org/officeDocument/2006/relationships" xmlns:p="http://schemas.openxmlformats.org/presentationml/2006/main" xmlns:m="http://schemas.openxmlformats.org/officeDocument/2006/math" xmlns:a14="http://schemas.microsoft.com/office/drawing/2010/main" type="tx" showMasterSp="0" showMasterPhAnim="1">
+<p:sldLayout xmlns:a="http://schemas.openxmlformats.org/drawingml/2006/main" xmlns:r="http://schemas.openxmlformats.org/officeDocument/2006/relationships" xmlns:p="http://schemas.openxmlformats.org/presentationml/2006/main" showMasterSp="0" type="tx">
   <p:cSld name="空白（备选）">
     <p:spTree>
       <p:nvGrpSpPr>
@@ -1767,7 +1828,9 @@
       <p:sp>
         <p:nvSpPr>
           <p:cNvPr id="157" name="幻灯片编号"/>
-          <p:cNvSpPr txBox="1"/>
+          <p:cNvSpPr txBox="1">
+            <a:spLocks noGrp="1"/>
+          </p:cNvSpPr>
           <p:nvPr>
             <p:ph type="sldNum" sz="quarter" idx="2"/>
           </p:nvPr>
@@ -1781,8 +1844,10 @@
           <a:bodyPr/>
           <a:lstStyle/>
           <a:p>
-            <a:pPr/>
-            <a:fld id="{86CB4B4D-7CA3-9044-876B-883B54F8677D}" type="slidenum"/>
+            <a:fld id="{86CB4B4D-7CA3-9044-876B-883B54F8677D}" type="slidenum">
+              <a:t>‹#›</a:t>
+            </a:fld>
+            <a:endParaRPr/>
           </a:p>
         </p:txBody>
       </p:sp>
@@ -1791,18 +1856,19 @@
   <p:clrMapOvr>
     <a:masterClrMapping/>
   </p:clrMapOvr>
-  <p:transition xmlns:p14="http://schemas.microsoft.com/office/powerpoint/2010/main" spd="med" advClick="1"/>
+  <p:transition spd="med"/>
 </p:sldLayout>
 </file>
 
 <file path=ppt/slideLayouts/slideLayout2.xml><?xml version="1.0" encoding="utf-8"?>
-<p:sldLayout xmlns:a="http://schemas.openxmlformats.org/drawingml/2006/main" xmlns:r="http://schemas.openxmlformats.org/officeDocument/2006/relationships" xmlns:p="http://schemas.openxmlformats.org/presentationml/2006/main" xmlns:m="http://schemas.openxmlformats.org/officeDocument/2006/math" xmlns:a14="http://schemas.microsoft.com/office/drawing/2010/main" type="tx" showMasterSp="0" showMasterPhAnim="1">
+<p:sldLayout xmlns:a="http://schemas.openxmlformats.org/drawingml/2006/main" xmlns:r="http://schemas.openxmlformats.org/officeDocument/2006/relationships" xmlns:p="http://schemas.openxmlformats.org/presentationml/2006/main" showMasterSp="0" type="tx">
   <p:cSld name="照片 - 水平">
     <p:bg>
       <p:bgPr>
         <a:solidFill>
           <a:srgbClr val="222222"/>
         </a:solidFill>
+        <a:effectLst/>
       </p:bgPr>
     </p:bg>
     <p:spTree>
@@ -1822,7 +1888,9 @@
       <p:sp>
         <p:nvSpPr>
           <p:cNvPr id="22" name="图像"/>
-          <p:cNvSpPr/>
+          <p:cNvSpPr>
+            <a:spLocks noGrp="1"/>
+          </p:cNvSpPr>
           <p:nvPr>
             <p:ph type="pic" idx="13"/>
           </p:nvPr>
@@ -1842,14 +1910,16 @@
           </a:bodyPr>
           <a:lstStyle/>
           <a:p>
-            <a:pPr/>
+            <a:endParaRPr/>
           </a:p>
         </p:txBody>
       </p:sp>
       <p:sp>
         <p:nvSpPr>
           <p:cNvPr id="23" name="线条"/>
-          <p:cNvSpPr/>
+          <p:cNvSpPr>
+            <a:spLocks noGrp="1"/>
+          </p:cNvSpPr>
           <p:nvPr>
             <p:ph type="body" sz="quarter" idx="14"/>
           </p:nvPr>
@@ -1892,13 +1962,16 @@
                 <a:sym typeface="Helvetica"/>
               </a:defRPr>
             </a:pPr>
+            <a:endParaRPr/>
           </a:p>
         </p:txBody>
       </p:sp>
       <p:sp>
         <p:nvSpPr>
           <p:cNvPr id="24" name="标题文本"/>
-          <p:cNvSpPr txBox="1"/>
+          <p:cNvSpPr txBox="1">
+            <a:spLocks noGrp="1"/>
+          </p:cNvSpPr>
           <p:nvPr>
             <p:ph type="title"/>
           </p:nvPr>
@@ -1923,7 +1996,6 @@
             </a:lvl1pPr>
           </a:lstStyle>
           <a:p>
-            <a:pPr/>
             <a:r>
               <a:t>标题文本</a:t>
             </a:r>
@@ -1933,7 +2005,9 @@
       <p:sp>
         <p:nvSpPr>
           <p:cNvPr id="25" name="正文级别 1…"/>
-          <p:cNvSpPr txBox="1"/>
+          <p:cNvSpPr txBox="1">
+            <a:spLocks noGrp="1"/>
+          </p:cNvSpPr>
           <p:nvPr>
             <p:ph type="body" sz="quarter" idx="1"/>
           </p:nvPr>
@@ -1961,7 +2035,7 @@
               <a:buSzTx/>
               <a:buFontTx/>
               <a:buNone/>
-              <a:defRPr cap="all" sz="5400">
+              <a:defRPr sz="5400" cap="all">
                 <a:solidFill>
                   <a:srgbClr val="A6AAA9"/>
                 </a:solidFill>
@@ -1982,7 +2056,7 @@
               <a:buSzTx/>
               <a:buFontTx/>
               <a:buNone/>
-              <a:defRPr cap="all" sz="5400">
+              <a:defRPr sz="5400" cap="all">
                 <a:solidFill>
                   <a:srgbClr val="A6AAA9"/>
                 </a:solidFill>
@@ -2003,7 +2077,7 @@
               <a:buSzTx/>
               <a:buFontTx/>
               <a:buNone/>
-              <a:defRPr cap="all" sz="5400">
+              <a:defRPr sz="5400" cap="all">
                 <a:solidFill>
                   <a:srgbClr val="A6AAA9"/>
                 </a:solidFill>
@@ -2024,7 +2098,7 @@
               <a:buSzTx/>
               <a:buFontTx/>
               <a:buNone/>
-              <a:defRPr cap="all" sz="5400">
+              <a:defRPr sz="5400" cap="all">
                 <a:solidFill>
                   <a:srgbClr val="A6AAA9"/>
                 </a:solidFill>
@@ -2045,7 +2119,7 @@
               <a:buSzTx/>
               <a:buFontTx/>
               <a:buNone/>
-              <a:defRPr cap="all" sz="5400">
+              <a:defRPr sz="5400" cap="all">
                 <a:solidFill>
                   <a:srgbClr val="A6AAA9"/>
                 </a:solidFill>
@@ -2057,7 +2131,6 @@
             </a:lvl5pPr>
           </a:lstStyle>
           <a:p>
-            <a:pPr/>
             <a:r>
               <a:t>正文级别 1</a:t>
             </a:r>
@@ -2091,7 +2164,9 @@
       <p:sp>
         <p:nvSpPr>
           <p:cNvPr id="26" name="幻灯片编号"/>
-          <p:cNvSpPr txBox="1"/>
+          <p:cNvSpPr txBox="1">
+            <a:spLocks noGrp="1"/>
+          </p:cNvSpPr>
           <p:nvPr>
             <p:ph type="sldNum" sz="quarter" idx="2"/>
           </p:nvPr>
@@ -2109,8 +2184,10 @@
           <a:bodyPr/>
           <a:lstStyle/>
           <a:p>
-            <a:pPr/>
-            <a:fld id="{86CB4B4D-7CA3-9044-876B-883B54F8677D}" type="slidenum"/>
+            <a:fld id="{86CB4B4D-7CA3-9044-876B-883B54F8677D}" type="slidenum">
+              <a:t>‹#›</a:t>
+            </a:fld>
+            <a:endParaRPr/>
           </a:p>
         </p:txBody>
       </p:sp>
@@ -2119,12 +2196,12 @@
   <p:clrMapOvr>
     <a:masterClrMapping/>
   </p:clrMapOvr>
-  <p:transition xmlns:p14="http://schemas.microsoft.com/office/powerpoint/2010/main" spd="med" advClick="1"/>
+  <p:transition spd="med"/>
 </p:sldLayout>
 </file>
 
 <file path=ppt/slideLayouts/slideLayout3.xml><?xml version="1.0" encoding="utf-8"?>
-<p:sldLayout xmlns:a="http://schemas.openxmlformats.org/drawingml/2006/main" xmlns:r="http://schemas.openxmlformats.org/officeDocument/2006/relationships" xmlns:p="http://schemas.openxmlformats.org/presentationml/2006/main" xmlns:m="http://schemas.openxmlformats.org/officeDocument/2006/math" xmlns:a14="http://schemas.microsoft.com/office/drawing/2010/main" type="tx" showMasterSp="0" showMasterPhAnim="1">
+<p:sldLayout xmlns:a="http://schemas.openxmlformats.org/drawingml/2006/main" xmlns:r="http://schemas.openxmlformats.org/officeDocument/2006/relationships" xmlns:p="http://schemas.openxmlformats.org/presentationml/2006/main" showMasterSp="0" type="tx">
   <p:cSld name="标题与副标题（备选）">
     <p:spTree>
       <p:nvGrpSpPr>
@@ -2179,13 +2256,16 @@
                 <a:sym typeface="Helvetica"/>
               </a:defRPr>
             </a:pPr>
+            <a:endParaRPr/>
           </a:p>
         </p:txBody>
       </p:sp>
       <p:sp>
         <p:nvSpPr>
           <p:cNvPr id="34" name="标题文本"/>
-          <p:cNvSpPr txBox="1"/>
+          <p:cNvSpPr txBox="1">
+            <a:spLocks noGrp="1"/>
+          </p:cNvSpPr>
           <p:nvPr>
             <p:ph type="title"/>
           </p:nvPr>
@@ -2210,7 +2290,6 @@
             </a:lvl1pPr>
           </a:lstStyle>
           <a:p>
-            <a:pPr/>
             <a:r>
               <a:t>标题文本</a:t>
             </a:r>
@@ -2220,7 +2299,9 @@
       <p:sp>
         <p:nvSpPr>
           <p:cNvPr id="35" name="正文级别 1…"/>
-          <p:cNvSpPr txBox="1"/>
+          <p:cNvSpPr txBox="1">
+            <a:spLocks noGrp="1"/>
+          </p:cNvSpPr>
           <p:nvPr>
             <p:ph type="body" sz="quarter" idx="1"/>
           </p:nvPr>
@@ -2248,7 +2329,7 @@
               <a:buSzTx/>
               <a:buFontTx/>
               <a:buNone/>
-              <a:defRPr cap="all" sz="5400">
+              <a:defRPr sz="5400" cap="all">
                 <a:solidFill>
                   <a:srgbClr val="A6AAA9"/>
                 </a:solidFill>
@@ -2269,7 +2350,7 @@
               <a:buSzTx/>
               <a:buFontTx/>
               <a:buNone/>
-              <a:defRPr cap="all" sz="5400">
+              <a:defRPr sz="5400" cap="all">
                 <a:solidFill>
                   <a:srgbClr val="A6AAA9"/>
                 </a:solidFill>
@@ -2290,7 +2371,7 @@
               <a:buSzTx/>
               <a:buFontTx/>
               <a:buNone/>
-              <a:defRPr cap="all" sz="5400">
+              <a:defRPr sz="5400" cap="all">
                 <a:solidFill>
                   <a:srgbClr val="A6AAA9"/>
                 </a:solidFill>
@@ -2311,7 +2392,7 @@
               <a:buSzTx/>
               <a:buFontTx/>
               <a:buNone/>
-              <a:defRPr cap="all" sz="5400">
+              <a:defRPr sz="5400" cap="all">
                 <a:solidFill>
                   <a:srgbClr val="A6AAA9"/>
                 </a:solidFill>
@@ -2332,7 +2413,7 @@
               <a:buSzTx/>
               <a:buFontTx/>
               <a:buNone/>
-              <a:defRPr cap="all" sz="5400">
+              <a:defRPr sz="5400" cap="all">
                 <a:solidFill>
                   <a:srgbClr val="A6AAA9"/>
                 </a:solidFill>
@@ -2344,7 +2425,6 @@
             </a:lvl5pPr>
           </a:lstStyle>
           <a:p>
-            <a:pPr/>
             <a:r>
               <a:t>正文级别 1</a:t>
             </a:r>
@@ -2378,7 +2458,9 @@
       <p:sp>
         <p:nvSpPr>
           <p:cNvPr id="36" name="幻灯片编号"/>
-          <p:cNvSpPr txBox="1"/>
+          <p:cNvSpPr txBox="1">
+            <a:spLocks noGrp="1"/>
+          </p:cNvSpPr>
           <p:nvPr>
             <p:ph type="sldNum" sz="quarter" idx="2"/>
           </p:nvPr>
@@ -2396,8 +2478,10 @@
           <a:bodyPr/>
           <a:lstStyle/>
           <a:p>
-            <a:pPr/>
-            <a:fld id="{86CB4B4D-7CA3-9044-876B-883B54F8677D}" type="slidenum"/>
+            <a:fld id="{86CB4B4D-7CA3-9044-876B-883B54F8677D}" type="slidenum">
+              <a:t>‹#›</a:t>
+            </a:fld>
+            <a:endParaRPr/>
           </a:p>
         </p:txBody>
       </p:sp>
@@ -2406,18 +2490,19 @@
   <p:clrMapOvr>
     <a:masterClrMapping/>
   </p:clrMapOvr>
-  <p:transition xmlns:p14="http://schemas.microsoft.com/office/powerpoint/2010/main" spd="med" advClick="1"/>
+  <p:transition spd="med"/>
 </p:sldLayout>
 </file>
 
 <file path=ppt/slideLayouts/slideLayout4.xml><?xml version="1.0" encoding="utf-8"?>
-<p:sldLayout xmlns:a="http://schemas.openxmlformats.org/drawingml/2006/main" xmlns:r="http://schemas.openxmlformats.org/officeDocument/2006/relationships" xmlns:p="http://schemas.openxmlformats.org/presentationml/2006/main" xmlns:m="http://schemas.openxmlformats.org/officeDocument/2006/math" xmlns:a14="http://schemas.microsoft.com/office/drawing/2010/main" type="tx" showMasterSp="0" showMasterPhAnim="1">
+<p:sldLayout xmlns:a="http://schemas.openxmlformats.org/drawingml/2006/main" xmlns:r="http://schemas.openxmlformats.org/officeDocument/2006/relationships" xmlns:p="http://schemas.openxmlformats.org/presentationml/2006/main" showMasterSp="0" type="tx">
   <p:cSld name="标题 - 居中">
     <p:bg>
       <p:bgPr>
         <a:solidFill>
           <a:srgbClr val="222222"/>
         </a:solidFill>
+        <a:effectLst/>
       </p:bgPr>
     </p:bg>
     <p:spTree>
@@ -2437,7 +2522,9 @@
       <p:sp>
         <p:nvSpPr>
           <p:cNvPr id="43" name="标题文本"/>
-          <p:cNvSpPr txBox="1"/>
+          <p:cNvSpPr txBox="1">
+            <a:spLocks noGrp="1"/>
+          </p:cNvSpPr>
           <p:nvPr>
             <p:ph type="title"/>
           </p:nvPr>
@@ -2462,7 +2549,6 @@
             </a:lvl1pPr>
           </a:lstStyle>
           <a:p>
-            <a:pPr/>
             <a:r>
               <a:t>标题文本</a:t>
             </a:r>
@@ -2472,7 +2558,9 @@
       <p:sp>
         <p:nvSpPr>
           <p:cNvPr id="44" name="幻灯片编号"/>
-          <p:cNvSpPr txBox="1"/>
+          <p:cNvSpPr txBox="1">
+            <a:spLocks noGrp="1"/>
+          </p:cNvSpPr>
           <p:nvPr>
             <p:ph type="sldNum" sz="quarter" idx="2"/>
           </p:nvPr>
@@ -2490,8 +2578,10 @@
           <a:bodyPr/>
           <a:lstStyle/>
           <a:p>
-            <a:pPr/>
-            <a:fld id="{86CB4B4D-7CA3-9044-876B-883B54F8677D}" type="slidenum"/>
+            <a:fld id="{86CB4B4D-7CA3-9044-876B-883B54F8677D}" type="slidenum">
+              <a:t>‹#›</a:t>
+            </a:fld>
+            <a:endParaRPr/>
           </a:p>
         </p:txBody>
       </p:sp>
@@ -2500,18 +2590,19 @@
   <p:clrMapOvr>
     <a:masterClrMapping/>
   </p:clrMapOvr>
-  <p:transition xmlns:p14="http://schemas.microsoft.com/office/powerpoint/2010/main" spd="med" advClick="1"/>
+  <p:transition spd="med"/>
 </p:sldLayout>
 </file>
 
 <file path=ppt/slideLayouts/slideLayout5.xml><?xml version="1.0" encoding="utf-8"?>
-<p:sldLayout xmlns:a="http://schemas.openxmlformats.org/drawingml/2006/main" xmlns:r="http://schemas.openxmlformats.org/officeDocument/2006/relationships" xmlns:p="http://schemas.openxmlformats.org/presentationml/2006/main" xmlns:m="http://schemas.openxmlformats.org/officeDocument/2006/math" xmlns:a14="http://schemas.microsoft.com/office/drawing/2010/main" type="tx" showMasterSp="0" showMasterPhAnim="1">
+<p:sldLayout xmlns:a="http://schemas.openxmlformats.org/drawingml/2006/main" xmlns:r="http://schemas.openxmlformats.org/officeDocument/2006/relationships" xmlns:p="http://schemas.openxmlformats.org/presentationml/2006/main" showMasterSp="0" type="tx">
   <p:cSld name="照片 - 垂直">
     <p:bg>
       <p:bgPr>
         <a:solidFill>
           <a:srgbClr val="222222"/>
         </a:solidFill>
+        <a:effectLst/>
       </p:bgPr>
     </p:bg>
     <p:spTree>
@@ -2567,13 +2658,16 @@
                 <a:sym typeface="Helvetica"/>
               </a:defRPr>
             </a:pPr>
+            <a:endParaRPr/>
           </a:p>
         </p:txBody>
       </p:sp>
       <p:sp>
         <p:nvSpPr>
           <p:cNvPr id="52" name="图像"/>
-          <p:cNvSpPr/>
+          <p:cNvSpPr>
+            <a:spLocks noGrp="1"/>
+          </p:cNvSpPr>
           <p:nvPr>
             <p:ph type="pic" idx="13"/>
           </p:nvPr>
@@ -2593,14 +2687,16 @@
           </a:bodyPr>
           <a:lstStyle/>
           <a:p>
-            <a:pPr/>
+            <a:endParaRPr/>
           </a:p>
         </p:txBody>
       </p:sp>
       <p:sp>
         <p:nvSpPr>
           <p:cNvPr id="53" name="标题文本"/>
-          <p:cNvSpPr txBox="1"/>
+          <p:cNvSpPr txBox="1">
+            <a:spLocks noGrp="1"/>
+          </p:cNvSpPr>
           <p:nvPr>
             <p:ph type="title"/>
           </p:nvPr>
@@ -2625,7 +2721,6 @@
             </a:lvl1pPr>
           </a:lstStyle>
           <a:p>
-            <a:pPr/>
             <a:r>
               <a:t>标题文本</a:t>
             </a:r>
@@ -2635,7 +2730,9 @@
       <p:sp>
         <p:nvSpPr>
           <p:cNvPr id="54" name="正文级别 1…"/>
-          <p:cNvSpPr txBox="1"/>
+          <p:cNvSpPr txBox="1">
+            <a:spLocks noGrp="1"/>
+          </p:cNvSpPr>
           <p:nvPr>
             <p:ph type="body" sz="quarter" idx="1"/>
           </p:nvPr>
@@ -2663,7 +2760,7 @@
               <a:buSzTx/>
               <a:buFontTx/>
               <a:buNone/>
-              <a:defRPr cap="all" sz="5400">
+              <a:defRPr sz="5400" cap="all">
                 <a:solidFill>
                   <a:srgbClr val="A6AAA9"/>
                 </a:solidFill>
@@ -2684,7 +2781,7 @@
               <a:buSzTx/>
               <a:buFontTx/>
               <a:buNone/>
-              <a:defRPr cap="all" sz="5400">
+              <a:defRPr sz="5400" cap="all">
                 <a:solidFill>
                   <a:srgbClr val="A6AAA9"/>
                 </a:solidFill>
@@ -2705,7 +2802,7 @@
               <a:buSzTx/>
               <a:buFontTx/>
               <a:buNone/>
-              <a:defRPr cap="all" sz="5400">
+              <a:defRPr sz="5400" cap="all">
                 <a:solidFill>
                   <a:srgbClr val="A6AAA9"/>
                 </a:solidFill>
@@ -2726,7 +2823,7 @@
               <a:buSzTx/>
               <a:buFontTx/>
               <a:buNone/>
-              <a:defRPr cap="all" sz="5400">
+              <a:defRPr sz="5400" cap="all">
                 <a:solidFill>
                   <a:srgbClr val="A6AAA9"/>
                 </a:solidFill>
@@ -2747,7 +2844,7 @@
               <a:buSzTx/>
               <a:buFontTx/>
               <a:buNone/>
-              <a:defRPr cap="all" sz="5400">
+              <a:defRPr sz="5400" cap="all">
                 <a:solidFill>
                   <a:srgbClr val="A6AAA9"/>
                 </a:solidFill>
@@ -2759,7 +2856,6 @@
             </a:lvl5pPr>
           </a:lstStyle>
           <a:p>
-            <a:pPr/>
             <a:r>
               <a:t>正文级别 1</a:t>
             </a:r>
@@ -2793,7 +2889,9 @@
       <p:sp>
         <p:nvSpPr>
           <p:cNvPr id="55" name="幻灯片编号"/>
-          <p:cNvSpPr txBox="1"/>
+          <p:cNvSpPr txBox="1">
+            <a:spLocks noGrp="1"/>
+          </p:cNvSpPr>
           <p:nvPr>
             <p:ph type="sldNum" sz="quarter" idx="2"/>
           </p:nvPr>
@@ -2811,8 +2909,10 @@
           <a:bodyPr/>
           <a:lstStyle/>
           <a:p>
-            <a:pPr/>
-            <a:fld id="{86CB4B4D-7CA3-9044-876B-883B54F8677D}" type="slidenum"/>
+            <a:fld id="{86CB4B4D-7CA3-9044-876B-883B54F8677D}" type="slidenum">
+              <a:t>‹#›</a:t>
+            </a:fld>
+            <a:endParaRPr/>
           </a:p>
         </p:txBody>
       </p:sp>
@@ -2821,12 +2921,12 @@
   <p:clrMapOvr>
     <a:masterClrMapping/>
   </p:clrMapOvr>
-  <p:transition xmlns:p14="http://schemas.microsoft.com/office/powerpoint/2010/main" spd="med" advClick="1"/>
+  <p:transition spd="med"/>
 </p:sldLayout>
 </file>
 
 <file path=ppt/slideLayouts/slideLayout6.xml><?xml version="1.0" encoding="utf-8"?>
-<p:sldLayout xmlns:a="http://schemas.openxmlformats.org/drawingml/2006/main" xmlns:r="http://schemas.openxmlformats.org/officeDocument/2006/relationships" xmlns:p="http://schemas.openxmlformats.org/presentationml/2006/main" xmlns:m="http://schemas.openxmlformats.org/officeDocument/2006/math" xmlns:a14="http://schemas.microsoft.com/office/drawing/2010/main" type="tx" showMasterSp="1" showMasterPhAnim="1">
+<p:sldLayout xmlns:a="http://schemas.openxmlformats.org/drawingml/2006/main" xmlns:r="http://schemas.openxmlformats.org/officeDocument/2006/relationships" xmlns:p="http://schemas.openxmlformats.org/presentationml/2006/main" type="tx">
   <p:cSld name="标题 - 顶部对齐">
     <p:spTree>
       <p:nvGrpSpPr>
@@ -2845,7 +2945,9 @@
       <p:sp>
         <p:nvSpPr>
           <p:cNvPr id="62" name="文本"/>
-          <p:cNvSpPr txBox="1"/>
+          <p:cNvSpPr txBox="1">
+            <a:spLocks noGrp="1"/>
+          </p:cNvSpPr>
           <p:nvPr>
             <p:ph type="body" sz="quarter" idx="13"/>
           </p:nvPr>
@@ -2875,7 +2977,7 @@
               <a:buSzTx/>
               <a:buFontTx/>
               <a:buNone/>
-              <a:defRPr b="1" cap="all" spc="120" sz="2400">
+              <a:defRPr sz="2400" b="1" cap="all" spc="120">
                 <a:latin typeface="+mn-lt"/>
                 <a:ea typeface="+mn-ea"/>
                 <a:cs typeface="+mn-cs"/>
@@ -2884,7 +2986,6 @@
             </a:lvl1pPr>
           </a:lstStyle>
           <a:p>
-            <a:pPr/>
             <a:r>
               <a:t>文本</a:t>
             </a:r>
@@ -2894,7 +2995,9 @@
       <p:sp>
         <p:nvSpPr>
           <p:cNvPr id="63" name="标题文本"/>
-          <p:cNvSpPr txBox="1"/>
+          <p:cNvSpPr txBox="1">
+            <a:spLocks noGrp="1"/>
+          </p:cNvSpPr>
           <p:nvPr>
             <p:ph type="title"/>
           </p:nvPr>
@@ -2908,7 +3011,6 @@
           <a:bodyPr/>
           <a:lstStyle/>
           <a:p>
-            <a:pPr/>
             <a:r>
               <a:t>标题文本</a:t>
             </a:r>
@@ -2918,7 +3020,9 @@
       <p:sp>
         <p:nvSpPr>
           <p:cNvPr id="64" name="幻灯片编号"/>
-          <p:cNvSpPr txBox="1"/>
+          <p:cNvSpPr txBox="1">
+            <a:spLocks noGrp="1"/>
+          </p:cNvSpPr>
           <p:nvPr>
             <p:ph type="sldNum" sz="quarter" idx="2"/>
           </p:nvPr>
@@ -2932,8 +3036,10 @@
           <a:bodyPr/>
           <a:lstStyle/>
           <a:p>
-            <a:pPr/>
-            <a:fld id="{86CB4B4D-7CA3-9044-876B-883B54F8677D}" type="slidenum"/>
+            <a:fld id="{86CB4B4D-7CA3-9044-876B-883B54F8677D}" type="slidenum">
+              <a:t>‹#›</a:t>
+            </a:fld>
+            <a:endParaRPr/>
           </a:p>
         </p:txBody>
       </p:sp>
@@ -2942,18 +3048,19 @@
   <p:clrMapOvr>
     <a:masterClrMapping/>
   </p:clrMapOvr>
-  <p:transition xmlns:p14="http://schemas.microsoft.com/office/powerpoint/2010/main" spd="med" advClick="1"/>
+  <p:transition spd="med"/>
 </p:sldLayout>
 </file>
 
 <file path=ppt/slideLayouts/slideLayout7.xml><?xml version="1.0" encoding="utf-8"?>
-<p:sldLayout xmlns:a="http://schemas.openxmlformats.org/drawingml/2006/main" xmlns:r="http://schemas.openxmlformats.org/officeDocument/2006/relationships" xmlns:p="http://schemas.openxmlformats.org/presentationml/2006/main" xmlns:m="http://schemas.openxmlformats.org/officeDocument/2006/math" xmlns:a14="http://schemas.microsoft.com/office/drawing/2010/main" type="tx" showMasterSp="1" showMasterPhAnim="1">
+<p:sldLayout xmlns:a="http://schemas.openxmlformats.org/drawingml/2006/main" xmlns:r="http://schemas.openxmlformats.org/officeDocument/2006/relationships" xmlns:p="http://schemas.openxmlformats.org/presentationml/2006/main" type="tx">
   <p:cSld name="标题与项目符号">
     <p:bg>
       <p:bgPr>
         <a:solidFill>
           <a:srgbClr val="222222"/>
         </a:solidFill>
+        <a:effectLst/>
       </p:bgPr>
     </p:bg>
     <p:spTree>
@@ -2973,7 +3080,9 @@
       <p:sp>
         <p:nvSpPr>
           <p:cNvPr id="71" name="文本"/>
-          <p:cNvSpPr txBox="1"/>
+          <p:cNvSpPr txBox="1">
+            <a:spLocks noGrp="1"/>
+          </p:cNvSpPr>
           <p:nvPr>
             <p:ph type="body" sz="quarter" idx="13"/>
           </p:nvPr>
@@ -3003,7 +3112,7 @@
               <a:buSzTx/>
               <a:buFontTx/>
               <a:buNone/>
-              <a:defRPr b="1" cap="all" spc="120" sz="2400">
+              <a:defRPr sz="2400" b="1" cap="all" spc="120">
                 <a:latin typeface="+mn-lt"/>
                 <a:ea typeface="+mn-ea"/>
                 <a:cs typeface="+mn-cs"/>
@@ -3012,7 +3121,6 @@
             </a:lvl1pPr>
           </a:lstStyle>
           <a:p>
-            <a:pPr/>
             <a:r>
               <a:t>文本</a:t>
             </a:r>
@@ -3022,7 +3130,9 @@
       <p:sp>
         <p:nvSpPr>
           <p:cNvPr id="72" name="标题文本"/>
-          <p:cNvSpPr txBox="1"/>
+          <p:cNvSpPr txBox="1">
+            <a:spLocks noGrp="1"/>
+          </p:cNvSpPr>
           <p:nvPr>
             <p:ph type="title"/>
           </p:nvPr>
@@ -3036,7 +3146,6 @@
           <a:bodyPr/>
           <a:lstStyle/>
           <a:p>
-            <a:pPr/>
             <a:r>
               <a:t>标题文本</a:t>
             </a:r>
@@ -3046,7 +3155,9 @@
       <p:sp>
         <p:nvSpPr>
           <p:cNvPr id="73" name="正文级别 1…"/>
-          <p:cNvSpPr txBox="1"/>
+          <p:cNvSpPr txBox="1">
+            <a:spLocks noGrp="1"/>
+          </p:cNvSpPr>
           <p:nvPr>
             <p:ph type="body" idx="1"/>
           </p:nvPr>
@@ -3091,7 +3202,6 @@
             </a:lvl5pPr>
           </a:lstStyle>
           <a:p>
-            <a:pPr/>
             <a:r>
               <a:t>正文级别 1</a:t>
             </a:r>
@@ -3125,7 +3235,9 @@
       <p:sp>
         <p:nvSpPr>
           <p:cNvPr id="74" name="幻灯片编号"/>
-          <p:cNvSpPr txBox="1"/>
+          <p:cNvSpPr txBox="1">
+            <a:spLocks noGrp="1"/>
+          </p:cNvSpPr>
           <p:nvPr>
             <p:ph type="sldNum" sz="quarter" idx="2"/>
           </p:nvPr>
@@ -3139,8 +3251,10 @@
           <a:bodyPr/>
           <a:lstStyle/>
           <a:p>
-            <a:pPr/>
-            <a:fld id="{86CB4B4D-7CA3-9044-876B-883B54F8677D}" type="slidenum"/>
+            <a:fld id="{86CB4B4D-7CA3-9044-876B-883B54F8677D}" type="slidenum">
+              <a:t>‹#›</a:t>
+            </a:fld>
+            <a:endParaRPr/>
           </a:p>
         </p:txBody>
       </p:sp>
@@ -3149,12 +3263,12 @@
   <p:clrMapOvr>
     <a:masterClrMapping/>
   </p:clrMapOvr>
-  <p:transition xmlns:p14="http://schemas.microsoft.com/office/powerpoint/2010/main" spd="med" advClick="1"/>
+  <p:transition spd="med"/>
 </p:sldLayout>
 </file>
 
 <file path=ppt/slideLayouts/slideLayout8.xml><?xml version="1.0" encoding="utf-8"?>
-<p:sldLayout xmlns:a="http://schemas.openxmlformats.org/drawingml/2006/main" xmlns:r="http://schemas.openxmlformats.org/officeDocument/2006/relationships" xmlns:p="http://schemas.openxmlformats.org/presentationml/2006/main" xmlns:m="http://schemas.openxmlformats.org/officeDocument/2006/math" xmlns:a14="http://schemas.microsoft.com/office/drawing/2010/main" type="tx" showMasterSp="1" showMasterPhAnim="1">
+<p:sldLayout xmlns:a="http://schemas.openxmlformats.org/drawingml/2006/main" xmlns:r="http://schemas.openxmlformats.org/officeDocument/2006/relationships" xmlns:p="http://schemas.openxmlformats.org/presentationml/2006/main" type="tx">
   <p:cSld name="标题与项目符号（备选）">
     <p:spTree>
       <p:nvGrpSpPr>
@@ -3173,7 +3287,9 @@
       <p:sp>
         <p:nvSpPr>
           <p:cNvPr id="81" name="文本"/>
-          <p:cNvSpPr txBox="1"/>
+          <p:cNvSpPr txBox="1">
+            <a:spLocks noGrp="1"/>
+          </p:cNvSpPr>
           <p:nvPr>
             <p:ph type="body" sz="quarter" idx="13"/>
           </p:nvPr>
@@ -3203,7 +3319,7 @@
               <a:buSzTx/>
               <a:buFontTx/>
               <a:buNone/>
-              <a:defRPr b="1" cap="all" spc="120" sz="2400">
+              <a:defRPr sz="2400" b="1" cap="all" spc="120">
                 <a:latin typeface="+mn-lt"/>
                 <a:ea typeface="+mn-ea"/>
                 <a:cs typeface="+mn-cs"/>
@@ -3212,7 +3328,6 @@
             </a:lvl1pPr>
           </a:lstStyle>
           <a:p>
-            <a:pPr/>
             <a:r>
               <a:t>文本</a:t>
             </a:r>
@@ -3222,7 +3337,9 @@
       <p:sp>
         <p:nvSpPr>
           <p:cNvPr id="82" name="标题文本"/>
-          <p:cNvSpPr txBox="1"/>
+          <p:cNvSpPr txBox="1">
+            <a:spLocks noGrp="1"/>
+          </p:cNvSpPr>
           <p:nvPr>
             <p:ph type="title"/>
           </p:nvPr>
@@ -3236,7 +3353,6 @@
           <a:bodyPr/>
           <a:lstStyle/>
           <a:p>
-            <a:pPr/>
             <a:r>
               <a:t>标题文本</a:t>
             </a:r>
@@ -3246,7 +3362,9 @@
       <p:sp>
         <p:nvSpPr>
           <p:cNvPr id="83" name="正文级别 1…"/>
-          <p:cNvSpPr txBox="1"/>
+          <p:cNvSpPr txBox="1">
+            <a:spLocks noGrp="1"/>
+          </p:cNvSpPr>
           <p:nvPr>
             <p:ph type="body" idx="1"/>
           </p:nvPr>
@@ -3291,7 +3409,6 @@
             </a:lvl5pPr>
           </a:lstStyle>
           <a:p>
-            <a:pPr/>
             <a:r>
               <a:t>正文级别 1</a:t>
             </a:r>
@@ -3325,7 +3442,9 @@
       <p:sp>
         <p:nvSpPr>
           <p:cNvPr id="84" name="幻灯片编号"/>
-          <p:cNvSpPr txBox="1"/>
+          <p:cNvSpPr txBox="1">
+            <a:spLocks noGrp="1"/>
+          </p:cNvSpPr>
           <p:nvPr>
             <p:ph type="sldNum" sz="quarter" idx="2"/>
           </p:nvPr>
@@ -3339,8 +3458,10 @@
           <a:bodyPr/>
           <a:lstStyle/>
           <a:p>
-            <a:pPr/>
-            <a:fld id="{86CB4B4D-7CA3-9044-876B-883B54F8677D}" type="slidenum"/>
+            <a:fld id="{86CB4B4D-7CA3-9044-876B-883B54F8677D}" type="slidenum">
+              <a:t>‹#›</a:t>
+            </a:fld>
+            <a:endParaRPr/>
           </a:p>
         </p:txBody>
       </p:sp>
@@ -3349,18 +3470,19 @@
   <p:clrMapOvr>
     <a:masterClrMapping/>
   </p:clrMapOvr>
-  <p:transition xmlns:p14="http://schemas.microsoft.com/office/powerpoint/2010/main" spd="med" advClick="1"/>
+  <p:transition spd="med"/>
 </p:sldLayout>
 </file>
 
 <file path=ppt/slideLayouts/slideLayout9.xml><?xml version="1.0" encoding="utf-8"?>
-<p:sldLayout xmlns:a="http://schemas.openxmlformats.org/drawingml/2006/main" xmlns:r="http://schemas.openxmlformats.org/officeDocument/2006/relationships" xmlns:p="http://schemas.openxmlformats.org/presentationml/2006/main" xmlns:m="http://schemas.openxmlformats.org/officeDocument/2006/math" xmlns:a14="http://schemas.microsoft.com/office/drawing/2010/main" type="tx" showMasterSp="1" showMasterPhAnim="1">
+<p:sldLayout xmlns:a="http://schemas.openxmlformats.org/drawingml/2006/main" xmlns:r="http://schemas.openxmlformats.org/officeDocument/2006/relationships" xmlns:p="http://schemas.openxmlformats.org/presentationml/2006/main" type="tx">
   <p:cSld name="标题、项目符号与照片">
     <p:bg>
       <p:bgPr>
         <a:solidFill>
           <a:srgbClr val="222222"/>
         </a:solidFill>
+        <a:effectLst/>
       </p:bgPr>
     </p:bg>
     <p:spTree>
@@ -3380,7 +3502,9 @@
       <p:sp>
         <p:nvSpPr>
           <p:cNvPr id="91" name="文本"/>
-          <p:cNvSpPr txBox="1"/>
+          <p:cNvSpPr txBox="1">
+            <a:spLocks noGrp="1"/>
+          </p:cNvSpPr>
           <p:nvPr>
             <p:ph type="body" sz="quarter" idx="13"/>
           </p:nvPr>
@@ -3410,7 +3534,7 @@
               <a:buSzTx/>
               <a:buFontTx/>
               <a:buNone/>
-              <a:defRPr b="1" cap="all" spc="120" sz="2400">
+              <a:defRPr sz="2400" b="1" cap="all" spc="120">
                 <a:latin typeface="+mn-lt"/>
                 <a:ea typeface="+mn-ea"/>
                 <a:cs typeface="+mn-cs"/>
@@ -3419,7 +3543,6 @@
             </a:lvl1pPr>
           </a:lstStyle>
           <a:p>
-            <a:pPr/>
             <a:r>
               <a:t>文本</a:t>
             </a:r>
@@ -3429,7 +3552,9 @@
       <p:sp>
         <p:nvSpPr>
           <p:cNvPr id="92" name="图像"/>
-          <p:cNvSpPr/>
+          <p:cNvSpPr>
+            <a:spLocks noGrp="1"/>
+          </p:cNvSpPr>
           <p:nvPr>
             <p:ph type="pic" sz="half" idx="14"/>
           </p:nvPr>
@@ -3449,14 +3574,16 @@
           </a:bodyPr>
           <a:lstStyle/>
           <a:p>
-            <a:pPr/>
+            <a:endParaRPr/>
           </a:p>
         </p:txBody>
       </p:sp>
       <p:sp>
         <p:nvSpPr>
           <p:cNvPr id="93" name="标题文本"/>
-          <p:cNvSpPr txBox="1"/>
+          <p:cNvSpPr txBox="1">
+            <a:spLocks noGrp="1"/>
+          </p:cNvSpPr>
           <p:nvPr>
             <p:ph type="title"/>
           </p:nvPr>
@@ -3474,7 +3601,6 @@
           <a:bodyPr/>
           <a:lstStyle/>
           <a:p>
-            <a:pPr/>
             <a:r>
               <a:t>标题文本</a:t>
             </a:r>
@@ -3484,7 +3610,9 @@
       <p:sp>
         <p:nvSpPr>
           <p:cNvPr id="94" name="正文级别 1…"/>
-          <p:cNvSpPr txBox="1"/>
+          <p:cNvSpPr txBox="1">
+            <a:spLocks noGrp="1"/>
+          </p:cNvSpPr>
           <p:nvPr>
             <p:ph type="body" sz="half" idx="1"/>
           </p:nvPr>
@@ -3538,7 +3666,6 @@
             </a:lvl5pPr>
           </a:lstStyle>
           <a:p>
-            <a:pPr/>
             <a:r>
               <a:t>正文级别 1</a:t>
             </a:r>
@@ -3572,7 +3699,9 @@
       <p:sp>
         <p:nvSpPr>
           <p:cNvPr id="95" name="幻灯片编号"/>
-          <p:cNvSpPr txBox="1"/>
+          <p:cNvSpPr txBox="1">
+            <a:spLocks noGrp="1"/>
+          </p:cNvSpPr>
           <p:nvPr>
             <p:ph type="sldNum" sz="quarter" idx="2"/>
           </p:nvPr>
@@ -3586,8 +3715,10 @@
           <a:bodyPr/>
           <a:lstStyle/>
           <a:p>
-            <a:pPr/>
-            <a:fld id="{86CB4B4D-7CA3-9044-876B-883B54F8677D}" type="slidenum"/>
+            <a:fld id="{86CB4B4D-7CA3-9044-876B-883B54F8677D}" type="slidenum">
+              <a:t>‹#›</a:t>
+            </a:fld>
+            <a:endParaRPr/>
           </a:p>
         </p:txBody>
       </p:sp>
@@ -3596,18 +3727,19 @@
   <p:clrMapOvr>
     <a:masterClrMapping/>
   </p:clrMapOvr>
-  <p:transition xmlns:p14="http://schemas.microsoft.com/office/powerpoint/2010/main" spd="med" advClick="1"/>
+  <p:transition spd="med"/>
 </p:sldLayout>
 </file>
 
 <file path=ppt/slideMasters/slideMaster1.xml><?xml version="1.0" encoding="utf-8"?>
-<p:sldMaster xmlns:a="http://schemas.openxmlformats.org/drawingml/2006/main" xmlns:r="http://schemas.openxmlformats.org/officeDocument/2006/relationships" xmlns:p="http://schemas.openxmlformats.org/presentationml/2006/main" xmlns:m="http://schemas.openxmlformats.org/officeDocument/2006/math" xmlns:a14="http://schemas.microsoft.com/office/drawing/2010/main">
+<p:sldMaster xmlns:a="http://schemas.openxmlformats.org/drawingml/2006/main" xmlns:r="http://schemas.openxmlformats.org/officeDocument/2006/relationships" xmlns:p="http://schemas.openxmlformats.org/presentationml/2006/main">
   <p:cSld>
     <p:bg>
       <p:bgPr>
         <a:solidFill>
           <a:srgbClr val="FFFFFF"/>
         </a:solidFill>
+        <a:effectLst/>
       </p:bgPr>
     </p:bg>
     <p:spTree>
@@ -3663,13 +3795,16 @@
                 <a:sym typeface="Helvetica"/>
               </a:defRPr>
             </a:pPr>
+            <a:endParaRPr/>
           </a:p>
         </p:txBody>
       </p:sp>
       <p:sp>
         <p:nvSpPr>
           <p:cNvPr id="3" name="标题文本"/>
-          <p:cNvSpPr txBox="1"/>
+          <p:cNvSpPr txBox="1">
+            <a:spLocks noGrp="1"/>
+          </p:cNvSpPr>
           <p:nvPr>
             <p:ph type="title"/>
           </p:nvPr>
@@ -3687,17 +3822,16 @@
           </a:ln>
           <a:extLst>
             <a:ext uri="{C572A759-6A51-4108-AA02-DFA0A04FC94B}">
-              <ma14:wrappingTextBoxFlag xmlns:ma14="http://schemas.microsoft.com/office/mac/drawingml/2011/main" val="1"/>
+              <ma14:wrappingTextBoxFlag xmlns:ma14="http://schemas.microsoft.com/office/mac/drawingml/2011/main" xmlns:a14="http://schemas.microsoft.com/office/drawing/2010/main" xmlns:m="http://schemas.openxmlformats.org/officeDocument/2006/math" xmlns="" val="1"/>
             </a:ext>
           </a:extLst>
         </p:spPr>
         <p:txBody>
           <a:bodyPr lIns="50800" tIns="50800" rIns="50800" bIns="50800">
-            <a:normAutofit fontScale="100000" lnSpcReduction="0"/>
+            <a:normAutofit/>
           </a:bodyPr>
           <a:lstStyle/>
           <a:p>
-            <a:pPr/>
             <a:r>
               <a:t>标题文本</a:t>
             </a:r>
@@ -3707,7 +3841,9 @@
       <p:sp>
         <p:nvSpPr>
           <p:cNvPr id="4" name="正文级别 1…"/>
-          <p:cNvSpPr txBox="1"/>
+          <p:cNvSpPr txBox="1">
+            <a:spLocks noGrp="1"/>
+          </p:cNvSpPr>
           <p:nvPr>
             <p:ph type="body" idx="1"/>
           </p:nvPr>
@@ -3725,17 +3861,16 @@
           </a:ln>
           <a:extLst>
             <a:ext uri="{C572A759-6A51-4108-AA02-DFA0A04FC94B}">
-              <ma14:wrappingTextBoxFlag xmlns:ma14="http://schemas.microsoft.com/office/mac/drawingml/2011/main" val="1"/>
+              <ma14:wrappingTextBoxFlag xmlns:ma14="http://schemas.microsoft.com/office/mac/drawingml/2011/main" xmlns:a14="http://schemas.microsoft.com/office/drawing/2010/main" xmlns:m="http://schemas.openxmlformats.org/officeDocument/2006/math" xmlns="" val="1"/>
             </a:ext>
           </a:extLst>
         </p:spPr>
         <p:txBody>
           <a:bodyPr lIns="50800" tIns="50800" rIns="50800" bIns="50800">
-            <a:normAutofit fontScale="100000" lnSpcReduction="0"/>
+            <a:normAutofit/>
           </a:bodyPr>
           <a:lstStyle/>
           <a:p>
-            <a:pPr/>
             <a:r>
               <a:t>正文级别 1</a:t>
             </a:r>
@@ -3769,7 +3904,9 @@
       <p:sp>
         <p:nvSpPr>
           <p:cNvPr id="5" name="幻灯片编号"/>
-          <p:cNvSpPr txBox="1"/>
+          <p:cNvSpPr txBox="1">
+            <a:spLocks noGrp="1"/>
+          </p:cNvSpPr>
           <p:nvPr>
             <p:ph type="sldNum" sz="quarter" idx="2"/>
           </p:nvPr>
@@ -3807,8 +3944,10 @@
             </a:lvl1pPr>
           </a:lstStyle>
           <a:p>
-            <a:pPr/>
-            <a:fld id="{86CB4B4D-7CA3-9044-876B-883B54F8677D}" type="slidenum"/>
+            <a:fld id="{86CB4B4D-7CA3-9044-876B-883B54F8677D}" type="slidenum">
+              <a:t>‹#›</a:t>
+            </a:fld>
+            <a:endParaRPr/>
           </a:p>
         </p:txBody>
       </p:sp>
@@ -3816,24 +3955,24 @@
   </p:cSld>
   <p:clrMap bg1="dk1" tx1="lt1" bg2="dk2" tx2="lt2" accent1="accent1" accent2="accent2" accent3="accent3" accent4="accent4" accent5="accent5" accent6="accent6" hlink="hlink" folHlink="folHlink"/>
   <p:sldLayoutIdLst>
-    <p:sldLayoutId id="2147483649" r:id="rId2"/>
-    <p:sldLayoutId id="2147483650" r:id="rId3"/>
-    <p:sldLayoutId id="2147483651" r:id="rId4"/>
-    <p:sldLayoutId id="2147483652" r:id="rId5"/>
-    <p:sldLayoutId id="2147483653" r:id="rId6"/>
-    <p:sldLayoutId id="2147483654" r:id="rId7"/>
-    <p:sldLayoutId id="2147483655" r:id="rId8"/>
-    <p:sldLayoutId id="2147483656" r:id="rId9"/>
-    <p:sldLayoutId id="2147483657" r:id="rId10"/>
-    <p:sldLayoutId id="2147483658" r:id="rId11"/>
-    <p:sldLayoutId id="2147483659" r:id="rId12"/>
-    <p:sldLayoutId id="2147483660" r:id="rId13"/>
-    <p:sldLayoutId id="2147483661" r:id="rId14"/>
-    <p:sldLayoutId id="2147483662" r:id="rId15"/>
-    <p:sldLayoutId id="2147483663" r:id="rId16"/>
-    <p:sldLayoutId id="2147483664" r:id="rId17"/>
+    <p:sldLayoutId id="2147483649" r:id="rId1"/>
+    <p:sldLayoutId id="2147483650" r:id="rId2"/>
+    <p:sldLayoutId id="2147483651" r:id="rId3"/>
+    <p:sldLayoutId id="2147483652" r:id="rId4"/>
+    <p:sldLayoutId id="2147483653" r:id="rId5"/>
+    <p:sldLayoutId id="2147483654" r:id="rId6"/>
+    <p:sldLayoutId id="2147483655" r:id="rId7"/>
+    <p:sldLayoutId id="2147483656" r:id="rId8"/>
+    <p:sldLayoutId id="2147483657" r:id="rId9"/>
+    <p:sldLayoutId id="2147483658" r:id="rId10"/>
+    <p:sldLayoutId id="2147483659" r:id="rId11"/>
+    <p:sldLayoutId id="2147483660" r:id="rId12"/>
+    <p:sldLayoutId id="2147483661" r:id="rId13"/>
+    <p:sldLayoutId id="2147483662" r:id="rId14"/>
+    <p:sldLayoutId id="2147483663" r:id="rId15"/>
+    <p:sldLayoutId id="2147483664" r:id="rId16"/>
   </p:sldLayoutIdLst>
-  <p:transition xmlns:p14="http://schemas.microsoft.com/office/powerpoint/2010/main" spd="med" advClick="1"/>
+  <p:transition spd="med"/>
   <p:txStyles>
     <p:titleStyle>
       <a:lvl1pPr marL="0" marR="0" indent="0" algn="l" defTabSz="584200" rtl="0" latinLnBrk="0">
@@ -3851,7 +3990,7 @@
         <a:buFontTx/>
         <a:buNone/>
         <a:tabLst/>
-        <a:defRPr b="1" baseline="0" cap="all" i="0" spc="0" strike="noStrike" sz="6000" u="none">
+        <a:defRPr sz="6000" b="1" i="0" u="none" strike="noStrike" cap="all" spc="0" baseline="0">
           <a:ln>
             <a:noFill/>
           </a:ln>
@@ -3880,7 +4019,7 @@
         <a:buFontTx/>
         <a:buNone/>
         <a:tabLst/>
-        <a:defRPr b="1" baseline="0" cap="all" i="0" spc="0" strike="noStrike" sz="6000" u="none">
+        <a:defRPr sz="6000" b="1" i="0" u="none" strike="noStrike" cap="all" spc="0" baseline="0">
           <a:ln>
             <a:noFill/>
           </a:ln>
@@ -3909,7 +4048,7 @@
         <a:buFontTx/>
         <a:buNone/>
         <a:tabLst/>
-        <a:defRPr b="1" baseline="0" cap="all" i="0" spc="0" strike="noStrike" sz="6000" u="none">
+        <a:defRPr sz="6000" b="1" i="0" u="none" strike="noStrike" cap="all" spc="0" baseline="0">
           <a:ln>
             <a:noFill/>
           </a:ln>
@@ -3938,7 +4077,7 @@
         <a:buFontTx/>
         <a:buNone/>
         <a:tabLst/>
-        <a:defRPr b="1" baseline="0" cap="all" i="0" spc="0" strike="noStrike" sz="6000" u="none">
+        <a:defRPr sz="6000" b="1" i="0" u="none" strike="noStrike" cap="all" spc="0" baseline="0">
           <a:ln>
             <a:noFill/>
           </a:ln>
@@ -3967,7 +4106,7 @@
         <a:buFontTx/>
         <a:buNone/>
         <a:tabLst/>
-        <a:defRPr b="1" baseline="0" cap="all" i="0" spc="0" strike="noStrike" sz="6000" u="none">
+        <a:defRPr sz="6000" b="1" i="0" u="none" strike="noStrike" cap="all" spc="0" baseline="0">
           <a:ln>
             <a:noFill/>
           </a:ln>
@@ -3996,7 +4135,7 @@
         <a:buFontTx/>
         <a:buNone/>
         <a:tabLst/>
-        <a:defRPr b="1" baseline="0" cap="all" i="0" spc="0" strike="noStrike" sz="6000" u="none">
+        <a:defRPr sz="6000" b="1" i="0" u="none" strike="noStrike" cap="all" spc="0" baseline="0">
           <a:ln>
             <a:noFill/>
           </a:ln>
@@ -4025,7 +4164,7 @@
         <a:buFontTx/>
         <a:buNone/>
         <a:tabLst/>
-        <a:defRPr b="1" baseline="0" cap="all" i="0" spc="0" strike="noStrike" sz="6000" u="none">
+        <a:defRPr sz="6000" b="1" i="0" u="none" strike="noStrike" cap="all" spc="0" baseline="0">
           <a:ln>
             <a:noFill/>
           </a:ln>
@@ -4054,7 +4193,7 @@
         <a:buFontTx/>
         <a:buNone/>
         <a:tabLst/>
-        <a:defRPr b="1" baseline="0" cap="all" i="0" spc="0" strike="noStrike" sz="6000" u="none">
+        <a:defRPr sz="6000" b="1" i="0" u="none" strike="noStrike" cap="all" spc="0" baseline="0">
           <a:ln>
             <a:noFill/>
           </a:ln>
@@ -4083,7 +4222,7 @@
         <a:buFontTx/>
         <a:buNone/>
         <a:tabLst/>
-        <a:defRPr b="1" baseline="0" cap="all" i="0" spc="0" strike="noStrike" sz="6000" u="none">
+        <a:defRPr sz="6000" b="1" i="0" u="none" strike="noStrike" cap="all" spc="0" baseline="0">
           <a:ln>
             <a:noFill/>
           </a:ln>
@@ -4118,7 +4257,7 @@
         <a:buFont typeface="Avenir Next"/>
         <a:buChar char="‣"/>
         <a:tabLst/>
-        <a:defRPr b="0" baseline="0" cap="none" i="0" spc="0" strike="noStrike" sz="3400" u="none">
+        <a:defRPr sz="3400" b="0" i="0" u="none" strike="noStrike" cap="none" spc="0" baseline="0">
           <a:ln>
             <a:noFill/>
           </a:ln>
@@ -4151,7 +4290,7 @@
         <a:buFont typeface="Avenir Next"/>
         <a:buChar char="‣"/>
         <a:tabLst/>
-        <a:defRPr b="0" baseline="0" cap="none" i="0" spc="0" strike="noStrike" sz="3400" u="none">
+        <a:defRPr sz="3400" b="0" i="0" u="none" strike="noStrike" cap="none" spc="0" baseline="0">
           <a:ln>
             <a:noFill/>
           </a:ln>
@@ -4184,7 +4323,7 @@
         <a:buFont typeface="Avenir Next"/>
         <a:buChar char="‣"/>
         <a:tabLst/>
-        <a:defRPr b="0" baseline="0" cap="none" i="0" spc="0" strike="noStrike" sz="3400" u="none">
+        <a:defRPr sz="3400" b="0" i="0" u="none" strike="noStrike" cap="none" spc="0" baseline="0">
           <a:ln>
             <a:noFill/>
           </a:ln>
@@ -4217,7 +4356,7 @@
         <a:buFont typeface="Avenir Next"/>
         <a:buChar char="‣"/>
         <a:tabLst/>
-        <a:defRPr b="0" baseline="0" cap="none" i="0" spc="0" strike="noStrike" sz="3400" u="none">
+        <a:defRPr sz="3400" b="0" i="0" u="none" strike="noStrike" cap="none" spc="0" baseline="0">
           <a:ln>
             <a:noFill/>
           </a:ln>
@@ -4250,7 +4389,7 @@
         <a:buFont typeface="Avenir Next"/>
         <a:buChar char="‣"/>
         <a:tabLst/>
-        <a:defRPr b="0" baseline="0" cap="none" i="0" spc="0" strike="noStrike" sz="3400" u="none">
+        <a:defRPr sz="3400" b="0" i="0" u="none" strike="noStrike" cap="none" spc="0" baseline="0">
           <a:ln>
             <a:noFill/>
           </a:ln>
@@ -4283,7 +4422,7 @@
         <a:buFont typeface="Avenir Next"/>
         <a:buChar char="‣"/>
         <a:tabLst/>
-        <a:defRPr b="0" baseline="0" cap="none" i="0" spc="0" strike="noStrike" sz="3400" u="none">
+        <a:defRPr sz="3400" b="0" i="0" u="none" strike="noStrike" cap="none" spc="0" baseline="0">
           <a:ln>
             <a:noFill/>
           </a:ln>
@@ -4316,7 +4455,7 @@
         <a:buFont typeface="Avenir Next"/>
         <a:buChar char="‣"/>
         <a:tabLst/>
-        <a:defRPr b="0" baseline="0" cap="none" i="0" spc="0" strike="noStrike" sz="3400" u="none">
+        <a:defRPr sz="3400" b="0" i="0" u="none" strike="noStrike" cap="none" spc="0" baseline="0">
           <a:ln>
             <a:noFill/>
           </a:ln>
@@ -4349,7 +4488,7 @@
         <a:buFont typeface="Avenir Next"/>
         <a:buChar char="‣"/>
         <a:tabLst/>
-        <a:defRPr b="0" baseline="0" cap="none" i="0" spc="0" strike="noStrike" sz="3400" u="none">
+        <a:defRPr sz="3400" b="0" i="0" u="none" strike="noStrike" cap="none" spc="0" baseline="0">
           <a:ln>
             <a:noFill/>
           </a:ln>
@@ -4382,7 +4521,7 @@
         <a:buFont typeface="Avenir Next"/>
         <a:buChar char="‣"/>
         <a:tabLst/>
-        <a:defRPr b="0" baseline="0" cap="none" i="0" spc="0" strike="noStrike" sz="3400" u="none">
+        <a:defRPr sz="3400" b="0" i="0" u="none" strike="noStrike" cap="none" spc="0" baseline="0">
           <a:ln>
             <a:noFill/>
           </a:ln>
@@ -4413,7 +4552,7 @@
         <a:buFontTx/>
         <a:buNone/>
         <a:tabLst/>
-        <a:defRPr b="0" baseline="0" cap="none" i="0" spc="0" strike="noStrike" sz="2400" u="none">
+        <a:defRPr sz="2400" b="0" i="0" u="none" strike="noStrike" cap="none" spc="0" baseline="0">
           <a:ln>
             <a:noFill/>
           </a:ln>
@@ -4442,7 +4581,7 @@
         <a:buFontTx/>
         <a:buNone/>
         <a:tabLst/>
-        <a:defRPr b="0" baseline="0" cap="none" i="0" spc="0" strike="noStrike" sz="2400" u="none">
+        <a:defRPr sz="2400" b="0" i="0" u="none" strike="noStrike" cap="none" spc="0" baseline="0">
           <a:ln>
             <a:noFill/>
           </a:ln>
@@ -4471,7 +4610,7 @@
         <a:buFontTx/>
         <a:buNone/>
         <a:tabLst/>
-        <a:defRPr b="0" baseline="0" cap="none" i="0" spc="0" strike="noStrike" sz="2400" u="none">
+        <a:defRPr sz="2400" b="0" i="0" u="none" strike="noStrike" cap="none" spc="0" baseline="0">
           <a:ln>
             <a:noFill/>
           </a:ln>
@@ -4500,7 +4639,7 @@
         <a:buFontTx/>
         <a:buNone/>
         <a:tabLst/>
-        <a:defRPr b="0" baseline="0" cap="none" i="0" spc="0" strike="noStrike" sz="2400" u="none">
+        <a:defRPr sz="2400" b="0" i="0" u="none" strike="noStrike" cap="none" spc="0" baseline="0">
           <a:ln>
             <a:noFill/>
           </a:ln>
@@ -4529,7 +4668,7 @@
         <a:buFontTx/>
         <a:buNone/>
         <a:tabLst/>
-        <a:defRPr b="0" baseline="0" cap="none" i="0" spc="0" strike="noStrike" sz="2400" u="none">
+        <a:defRPr sz="2400" b="0" i="0" u="none" strike="noStrike" cap="none" spc="0" baseline="0">
           <a:ln>
             <a:noFill/>
           </a:ln>
@@ -4558,7 +4697,7 @@
         <a:buFontTx/>
         <a:buNone/>
         <a:tabLst/>
-        <a:defRPr b="0" baseline="0" cap="none" i="0" spc="0" strike="noStrike" sz="2400" u="none">
+        <a:defRPr sz="2400" b="0" i="0" u="none" strike="noStrike" cap="none" spc="0" baseline="0">
           <a:ln>
             <a:noFill/>
           </a:ln>
@@ -4587,7 +4726,7 @@
         <a:buFontTx/>
         <a:buNone/>
         <a:tabLst/>
-        <a:defRPr b="0" baseline="0" cap="none" i="0" spc="0" strike="noStrike" sz="2400" u="none">
+        <a:defRPr sz="2400" b="0" i="0" u="none" strike="noStrike" cap="none" spc="0" baseline="0">
           <a:ln>
             <a:noFill/>
           </a:ln>
@@ -4616,7 +4755,7 @@
         <a:buFontTx/>
         <a:buNone/>
         <a:tabLst/>
-        <a:defRPr b="0" baseline="0" cap="none" i="0" spc="0" strike="noStrike" sz="2400" u="none">
+        <a:defRPr sz="2400" b="0" i="0" u="none" strike="noStrike" cap="none" spc="0" baseline="0">
           <a:ln>
             <a:noFill/>
           </a:ln>
@@ -4645,7 +4784,7 @@
         <a:buFontTx/>
         <a:buNone/>
         <a:tabLst/>
-        <a:defRPr b="0" baseline="0" cap="none" i="0" spc="0" strike="noStrike" sz="2400" u="none">
+        <a:defRPr sz="2400" b="0" i="0" u="none" strike="noStrike" cap="none" spc="0" baseline="0">
           <a:ln>
             <a:noFill/>
           </a:ln>
@@ -4665,7 +4804,7 @@
 </file>
 
 <file path=ppt/slides/slide1.xml><?xml version="1.0" encoding="utf-8"?>
-<p:sld xmlns:a="http://schemas.openxmlformats.org/drawingml/2006/main" xmlns:r="http://schemas.openxmlformats.org/officeDocument/2006/relationships" xmlns:p="http://schemas.openxmlformats.org/presentationml/2006/main" xmlns:m="http://schemas.openxmlformats.org/officeDocument/2006/math" xmlns:a14="http://schemas.microsoft.com/office/drawing/2010/main" showMasterSp="1" showMasterPhAnim="1">
+<p:sld xmlns:a="http://schemas.openxmlformats.org/drawingml/2006/main" xmlns:r="http://schemas.openxmlformats.org/officeDocument/2006/relationships" xmlns:p="http://schemas.openxmlformats.org/presentationml/2006/main">
   <p:cSld>
     <p:spTree>
       <p:nvGrpSpPr>
@@ -4684,12 +4823,18 @@
       <p:sp>
         <p:nvSpPr>
           <p:cNvPr id="166" name="JavaComposer 基于马尔可夫链的音乐生成器"/>
-          <p:cNvSpPr txBox="1"/>
+          <p:cNvSpPr txBox="1">
+            <a:spLocks noGrp="1"/>
+          </p:cNvSpPr>
           <p:nvPr>
             <p:ph type="title"/>
           </p:nvPr>
         </p:nvSpPr>
         <p:spPr>
+          <a:xfrm>
+            <a:off x="406400" y="6426200"/>
+            <a:ext cx="12598400" cy="2705100"/>
+          </a:xfrm>
           <a:prstGeom prst="rect">
             <a:avLst/>
           </a:prstGeom>
@@ -4702,19 +4847,26 @@
               <a:defRPr sz="7310"/>
             </a:pPr>
             <a:r>
+              <a:rPr dirty="0" err="1"/>
               <a:t>JavaComposer</a:t>
             </a:r>
-            <a:br/>
-            <a:r>
+            <a:br>
+              <a:rPr dirty="0"/>
+            </a:br>
+            <a:r>
+              <a:rPr dirty="0" err="1"/>
               <a:t>基于马尔可夫链的音乐生成器</a:t>
             </a:r>
+            <a:endParaRPr dirty="0"/>
           </a:p>
         </p:txBody>
       </p:sp>
       <p:sp>
         <p:nvSpPr>
           <p:cNvPr id="167" name="冉德龙&amp;黄宇龙"/>
-          <p:cNvSpPr txBox="1"/>
+          <p:cNvSpPr txBox="1">
+            <a:spLocks noGrp="1"/>
+          </p:cNvSpPr>
           <p:nvPr>
             <p:ph type="body" sz="quarter" idx="1"/>
           </p:nvPr>
@@ -4728,7 +4880,6 @@
           <a:bodyPr/>
           <a:lstStyle/>
           <a:p>
-            <a:pPr/>
             <a:r>
               <a:t>冉德龙&amp;黄宇龙</a:t>
             </a:r>
@@ -4740,12 +4891,12 @@
   <p:clrMapOvr>
     <a:masterClrMapping/>
   </p:clrMapOvr>
-  <p:transition xmlns:p14="http://schemas.microsoft.com/office/powerpoint/2010/main" spd="med" advClick="1"/>
+  <p:transition spd="med"/>
 </p:sld>
 </file>
 
 <file path=ppt/slides/slide2.xml><?xml version="1.0" encoding="utf-8"?>
-<p:sld xmlns:a="http://schemas.openxmlformats.org/drawingml/2006/main" xmlns:r="http://schemas.openxmlformats.org/officeDocument/2006/relationships" xmlns:p="http://schemas.openxmlformats.org/presentationml/2006/main" xmlns:m="http://schemas.openxmlformats.org/officeDocument/2006/math" xmlns:a14="http://schemas.microsoft.com/office/drawing/2010/main" showMasterSp="1" showMasterPhAnim="1">
+<p:sld xmlns:a="http://schemas.openxmlformats.org/drawingml/2006/main" xmlns:r="http://schemas.openxmlformats.org/officeDocument/2006/relationships" xmlns:p="http://schemas.openxmlformats.org/presentationml/2006/main">
   <p:cSld>
     <p:spTree>
       <p:nvGrpSpPr>
@@ -4764,7 +4915,9 @@
       <p:sp>
         <p:nvSpPr>
           <p:cNvPr id="169" name="基于马尔可夫链的音乐生成器"/>
-          <p:cNvSpPr txBox="1"/>
+          <p:cNvSpPr txBox="1">
+            <a:spLocks noGrp="1"/>
+          </p:cNvSpPr>
           <p:nvPr>
             <p:ph type="body" idx="13"/>
           </p:nvPr>
@@ -4778,7 +4931,6 @@
           <a:bodyPr/>
           <a:lstStyle/>
           <a:p>
-            <a:pPr/>
             <a:r>
               <a:t>基于马尔可夫链的音乐生成器</a:t>
             </a:r>
@@ -4788,7 +4940,9 @@
       <p:sp>
         <p:nvSpPr>
           <p:cNvPr id="170" name="项目设计"/>
-          <p:cNvSpPr txBox="1"/>
+          <p:cNvSpPr txBox="1">
+            <a:spLocks noGrp="1"/>
+          </p:cNvSpPr>
           <p:nvPr>
             <p:ph type="title"/>
           </p:nvPr>
@@ -4809,7 +4963,6 @@
             </a:lvl1pPr>
           </a:lstStyle>
           <a:p>
-            <a:pPr/>
             <a:r>
               <a:t>项目设计</a:t>
             </a:r>
@@ -4819,7 +4972,9 @@
       <p:sp>
         <p:nvSpPr>
           <p:cNvPr id="171" name="程序处理给定的多个音乐样本，从中总结规律，生成一段新的音乐…"/>
-          <p:cNvSpPr txBox="1"/>
+          <p:cNvSpPr txBox="1">
+            <a:spLocks noGrp="1"/>
+          </p:cNvSpPr>
           <p:nvPr>
             <p:ph type="body" idx="1"/>
           </p:nvPr>
@@ -4905,12 +5060,12 @@
   <p:clrMapOvr>
     <a:masterClrMapping/>
   </p:clrMapOvr>
-  <p:transition xmlns:p14="http://schemas.microsoft.com/office/powerpoint/2010/main" spd="med" advClick="1"/>
+  <p:transition spd="med"/>
 </p:sld>
 </file>
 
 <file path=ppt/slides/slide3.xml><?xml version="1.0" encoding="utf-8"?>
-<p:sld xmlns:a="http://schemas.openxmlformats.org/drawingml/2006/main" xmlns:r="http://schemas.openxmlformats.org/officeDocument/2006/relationships" xmlns:p="http://schemas.openxmlformats.org/presentationml/2006/main" xmlns:m="http://schemas.openxmlformats.org/officeDocument/2006/math" xmlns:a14="http://schemas.microsoft.com/office/drawing/2010/main" showMasterSp="1" showMasterPhAnim="1">
+<p:sld xmlns:a="http://schemas.openxmlformats.org/drawingml/2006/main" xmlns:r="http://schemas.openxmlformats.org/officeDocument/2006/relationships" xmlns:p="http://schemas.openxmlformats.org/presentationml/2006/main">
   <p:cSld>
     <p:spTree>
       <p:nvGrpSpPr>
@@ -4929,7 +5084,9 @@
       <p:sp>
         <p:nvSpPr>
           <p:cNvPr id="173" name="数据处理流程"/>
-          <p:cNvSpPr txBox="1"/>
+          <p:cNvSpPr txBox="1">
+            <a:spLocks noGrp="1"/>
+          </p:cNvSpPr>
           <p:nvPr>
             <p:ph type="title"/>
           </p:nvPr>
@@ -4949,6 +5106,7 @@
               </a:spcBef>
               <a:defRPr sz="6000"/>
             </a:pPr>
+            <a:endParaRPr/>
           </a:p>
           <a:p>
             <a:pPr>
@@ -4997,12 +5155,12 @@
   <p:clrMapOvr>
     <a:masterClrMapping/>
   </p:clrMapOvr>
-  <p:transition xmlns:p14="http://schemas.microsoft.com/office/powerpoint/2010/main" spd="med" advClick="1"/>
+  <p:transition spd="med"/>
 </p:sld>
 </file>
 
 <file path=ppt/slides/slide4.xml><?xml version="1.0" encoding="utf-8"?>
-<p:sld xmlns:a="http://schemas.openxmlformats.org/drawingml/2006/main" xmlns:r="http://schemas.openxmlformats.org/officeDocument/2006/relationships" xmlns:p="http://schemas.openxmlformats.org/presentationml/2006/main" xmlns:m="http://schemas.openxmlformats.org/officeDocument/2006/math" xmlns:a14="http://schemas.microsoft.com/office/drawing/2010/main" showMasterSp="1" showMasterPhAnim="1">
+<p:sld xmlns:a="http://schemas.openxmlformats.org/drawingml/2006/main" xmlns:r="http://schemas.openxmlformats.org/officeDocument/2006/relationships" xmlns:p="http://schemas.openxmlformats.org/presentationml/2006/main">
   <p:cSld>
     <p:spTree>
       <p:nvGrpSpPr>
@@ -5021,7 +5179,9 @@
       <p:sp>
         <p:nvSpPr>
           <p:cNvPr id="176" name="类关系图"/>
-          <p:cNvSpPr txBox="1"/>
+          <p:cNvSpPr txBox="1">
+            <a:spLocks noGrp="1"/>
+          </p:cNvSpPr>
           <p:nvPr>
             <p:ph type="title"/>
           </p:nvPr>
@@ -5041,6 +5201,7 @@
               </a:spcBef>
               <a:defRPr sz="6000"/>
             </a:pPr>
+            <a:endParaRPr/>
           </a:p>
           <a:p>
             <a:pPr>
@@ -5089,12 +5250,12 @@
   <p:clrMapOvr>
     <a:masterClrMapping/>
   </p:clrMapOvr>
-  <p:transition xmlns:p14="http://schemas.microsoft.com/office/powerpoint/2010/main" spd="med" advClick="1"/>
+  <p:transition spd="med"/>
 </p:sld>
 </file>
 
 <file path=ppt/slides/slide5.xml><?xml version="1.0" encoding="utf-8"?>
-<p:sld xmlns:a="http://schemas.openxmlformats.org/drawingml/2006/main" xmlns:r="http://schemas.openxmlformats.org/officeDocument/2006/relationships" xmlns:p="http://schemas.openxmlformats.org/presentationml/2006/main" xmlns:m="http://schemas.openxmlformats.org/officeDocument/2006/math" xmlns:a14="http://schemas.microsoft.com/office/drawing/2010/main" showMasterSp="1" showMasterPhAnim="1">
+<p:sld xmlns:a="http://schemas.openxmlformats.org/drawingml/2006/main" xmlns:r="http://schemas.openxmlformats.org/officeDocument/2006/relationships" xmlns:p="http://schemas.openxmlformats.org/presentationml/2006/main">
   <p:cSld>
     <p:spTree>
       <p:nvGrpSpPr>
@@ -5113,7 +5274,9 @@
       <p:sp>
         <p:nvSpPr>
           <p:cNvPr id="179" name="基于马尔可夫链的音乐生成器"/>
-          <p:cNvSpPr txBox="1"/>
+          <p:cNvSpPr txBox="1">
+            <a:spLocks noGrp="1"/>
+          </p:cNvSpPr>
           <p:nvPr>
             <p:ph type="body" idx="13"/>
           </p:nvPr>
@@ -5127,7 +5290,6 @@
           <a:bodyPr/>
           <a:lstStyle/>
           <a:p>
-            <a:pPr/>
             <a:r>
               <a:t>基于马尔可夫链的音乐生成器</a:t>
             </a:r>
@@ -5137,7 +5299,9 @@
       <p:sp>
         <p:nvSpPr>
           <p:cNvPr id="180" name="midi格式的解析与生成"/>
-          <p:cNvSpPr txBox="1"/>
+          <p:cNvSpPr txBox="1">
+            <a:spLocks noGrp="1"/>
+          </p:cNvSpPr>
           <p:nvPr>
             <p:ph type="title"/>
           </p:nvPr>
@@ -5158,7 +5322,6 @@
             </a:lvl1pPr>
           </a:lstStyle>
           <a:p>
-            <a:pPr/>
             <a:r>
               <a:t>midi格式的解析与生成</a:t>
             </a:r>
@@ -5168,7 +5331,9 @@
       <p:sp>
         <p:nvSpPr>
           <p:cNvPr id="181" name="midi是以时间记录的文件，即在某时刻某个按键以某个力度被按下，或者某时刻切换到了什么乐器。…"/>
-          <p:cNvSpPr txBox="1"/>
+          <p:cNvSpPr txBox="1">
+            <a:spLocks noGrp="1"/>
+          </p:cNvSpPr>
           <p:nvPr>
             <p:ph type="body" idx="1"/>
           </p:nvPr>
@@ -5182,25 +5347,21 @@
           <a:bodyPr/>
           <a:lstStyle/>
           <a:p>
-            <a:pPr/>
             <a:r>
               <a:t>midi是以时间记录的文件，即在某时刻某个按键以某个力度被按下，或者某时刻切换到了什么乐器。</a:t>
             </a:r>
           </a:p>
           <a:p>
-            <a:pPr/>
             <a:r>
               <a:t>文件分为头块和音轨块两部分，头块包含了最基本的信息，如文件格式、1/4音符的长度等。音轨块包含了一个音轨的音乐信息。</a:t>
             </a:r>
           </a:p>
           <a:p>
-            <a:pPr/>
             <a:r>
               <a:t>处理时我们只记录每个音后面跟了哪个音，每个小节后面跟了哪个小节即可，忽略其他信息。</a:t>
             </a:r>
           </a:p>
           <a:p>
-            <a:pPr/>
             <a:r>
               <a:t>对于跨了多个小节的音，用标记记录一下</a:t>
             </a:r>
@@ -5212,12 +5373,12 @@
   <p:clrMapOvr>
     <a:masterClrMapping/>
   </p:clrMapOvr>
-  <p:transition xmlns:p14="http://schemas.microsoft.com/office/powerpoint/2010/main" spd="med" advClick="1"/>
+  <p:transition spd="med"/>
 </p:sld>
 </file>
 
 <file path=ppt/slides/slide6.xml><?xml version="1.0" encoding="utf-8"?>
-<p:sld xmlns:a="http://schemas.openxmlformats.org/drawingml/2006/main" xmlns:r="http://schemas.openxmlformats.org/officeDocument/2006/relationships" xmlns:p="http://schemas.openxmlformats.org/presentationml/2006/main" xmlns:m="http://schemas.openxmlformats.org/officeDocument/2006/math" xmlns:a14="http://schemas.microsoft.com/office/drawing/2010/main" showMasterSp="1" showMasterPhAnim="1">
+<p:sld xmlns:a="http://schemas.openxmlformats.org/drawingml/2006/main" xmlns:r="http://schemas.openxmlformats.org/officeDocument/2006/relationships" xmlns:p="http://schemas.openxmlformats.org/presentationml/2006/main">
   <p:cSld>
     <p:spTree>
       <p:nvGrpSpPr>
@@ -5236,7 +5397,9 @@
       <p:sp>
         <p:nvSpPr>
           <p:cNvPr id="183" name="基于马尔可夫链的音乐生成器"/>
-          <p:cNvSpPr txBox="1"/>
+          <p:cNvSpPr txBox="1">
+            <a:spLocks noGrp="1"/>
+          </p:cNvSpPr>
           <p:nvPr>
             <p:ph type="body" idx="13"/>
           </p:nvPr>
@@ -5250,7 +5413,6 @@
           <a:bodyPr/>
           <a:lstStyle/>
           <a:p>
-            <a:pPr/>
             <a:r>
               <a:t>基于马尔可夫链的音乐生成器</a:t>
             </a:r>
@@ -5260,7 +5422,9 @@
       <p:sp>
         <p:nvSpPr>
           <p:cNvPr id="184" name="midi格式的解析与生成"/>
-          <p:cNvSpPr txBox="1"/>
+          <p:cNvSpPr txBox="1">
+            <a:spLocks noGrp="1"/>
+          </p:cNvSpPr>
           <p:nvPr>
             <p:ph type="title"/>
           </p:nvPr>
@@ -5281,7 +5445,6 @@
             </a:lvl1pPr>
           </a:lstStyle>
           <a:p>
-            <a:pPr/>
             <a:r>
               <a:t>midi格式的解析与生成</a:t>
             </a:r>
@@ -5291,7 +5454,9 @@
       <p:sp>
         <p:nvSpPr>
           <p:cNvPr id="185" name="生成时为了简化问题，使用默认的钢琴音色输出，由于读入的音乐每个1/4音符演奏时间不同，输出格式采用常用的几种速率的最小公倍数，即每个1/4音符时长1920tick。…"/>
-          <p:cNvSpPr txBox="1"/>
+          <p:cNvSpPr txBox="1">
+            <a:spLocks noGrp="1"/>
+          </p:cNvSpPr>
           <p:nvPr>
             <p:ph type="body" idx="1"/>
           </p:nvPr>
@@ -5305,15 +5470,27 @@
           <a:bodyPr/>
           <a:lstStyle/>
           <a:p>
-            <a:pPr/>
-            <a:r>
-              <a:t>生成时为了简化问题，使用默认的钢琴音色输出，由于读入的音乐每个1/4音符演奏时间不同，输出格式采用常用的几种速率的最小公倍数，即每个1/4音符时长1920tick。</a:t>
-            </a:r>
-          </a:p>
-          <a:p>
-            <a:pPr/>
-            <a:r>
-              <a:t>其中delta-time一项需要用可变长度数来存储，我采用了先转化成二进制然后按照转化规则进行转化。</a:t>
+            <a:r>
+              <a:rPr dirty="0"/>
+              <a:t>生成时为了简化问题，使用默认的钢琴音色输出，由于读入的音乐每个1/4音符演奏时间不同，输出格式采用常用的几种速率的最小公倍数，即每个1/4音符时长</a:t>
+            </a:r>
+            <a:r>
+              <a:rPr lang="en-US" altLang="zh-CN" dirty="0"/>
+              <a:t>960</a:t>
+            </a:r>
+            <a:r>
+              <a:rPr dirty="0"/>
+              <a:t>tick。</a:t>
+            </a:r>
+          </a:p>
+          <a:p>
+            <a:r>
+              <a:rPr dirty="0" err="1"/>
+              <a:t>其中delta-time一项需要用可变长度数来存储，我采用了先转化成二进制然后按照转化规则进行转化</a:t>
+            </a:r>
+            <a:r>
+              <a:rPr dirty="0"/>
+              <a:t>。</a:t>
             </a:r>
           </a:p>
         </p:txBody>
@@ -5323,12 +5500,12 @@
   <p:clrMapOvr>
     <a:masterClrMapping/>
   </p:clrMapOvr>
-  <p:transition xmlns:p14="http://schemas.microsoft.com/office/powerpoint/2010/main" spd="med" advClick="1"/>
+  <p:transition spd="med"/>
 </p:sld>
 </file>
 
 <file path=ppt/slides/slide7.xml><?xml version="1.0" encoding="utf-8"?>
-<p:sld xmlns:a="http://schemas.openxmlformats.org/drawingml/2006/main" xmlns:r="http://schemas.openxmlformats.org/officeDocument/2006/relationships" xmlns:p="http://schemas.openxmlformats.org/presentationml/2006/main" xmlns:m="http://schemas.openxmlformats.org/officeDocument/2006/math" xmlns:a14="http://schemas.microsoft.com/office/drawing/2010/main" showMasterSp="1" showMasterPhAnim="1">
+<p:sld xmlns:a="http://schemas.openxmlformats.org/drawingml/2006/main" xmlns:r="http://schemas.openxmlformats.org/officeDocument/2006/relationships" xmlns:p="http://schemas.openxmlformats.org/presentationml/2006/main">
   <p:cSld>
     <p:spTree>
       <p:nvGrpSpPr>
@@ -5347,7 +5524,9 @@
       <p:sp>
         <p:nvSpPr>
           <p:cNvPr id="187" name="基于马尔可夫链的音乐生成器"/>
-          <p:cNvSpPr txBox="1"/>
+          <p:cNvSpPr txBox="1">
+            <a:spLocks noGrp="1"/>
+          </p:cNvSpPr>
           <p:nvPr>
             <p:ph type="body" idx="13"/>
           </p:nvPr>
@@ -5361,7 +5540,6 @@
           <a:bodyPr/>
           <a:lstStyle/>
           <a:p>
-            <a:pPr/>
             <a:r>
               <a:t>基于马尔可夫链的音乐生成器</a:t>
             </a:r>
@@ -5371,7 +5549,9 @@
       <p:sp>
         <p:nvSpPr>
           <p:cNvPr id="188" name="标题"/>
-          <p:cNvSpPr txBox="1"/>
+          <p:cNvSpPr txBox="1">
+            <a:spLocks noGrp="1"/>
+          </p:cNvSpPr>
           <p:nvPr>
             <p:ph type="title"/>
           </p:nvPr>
@@ -5391,13 +5571,16 @@
               </a:spcBef>
               <a:defRPr sz="3480"/>
             </a:pPr>
+            <a:endParaRPr/>
           </a:p>
         </p:txBody>
       </p:sp>
       <p:sp>
         <p:nvSpPr>
           <p:cNvPr id="189" name="正文"/>
-          <p:cNvSpPr txBox="1"/>
+          <p:cNvSpPr txBox="1">
+            <a:spLocks noGrp="1"/>
+          </p:cNvSpPr>
           <p:nvPr>
             <p:ph type="body" idx="1"/>
           </p:nvPr>
@@ -5411,7 +5594,7 @@
           <a:bodyPr/>
           <a:lstStyle/>
           <a:p>
-            <a:pPr/>
+            <a:endParaRPr/>
           </a:p>
         </p:txBody>
       </p:sp>
@@ -5420,12 +5603,12 @@
   <p:clrMapOvr>
     <a:masterClrMapping/>
   </p:clrMapOvr>
-  <p:transition xmlns:p14="http://schemas.microsoft.com/office/powerpoint/2010/main" spd="med" advClick="1"/>
+  <p:transition spd="med"/>
 </p:sld>
 </file>
 
 <file path=ppt/slides/slide8.xml><?xml version="1.0" encoding="utf-8"?>
-<p:sld xmlns:a="http://schemas.openxmlformats.org/drawingml/2006/main" xmlns:r="http://schemas.openxmlformats.org/officeDocument/2006/relationships" xmlns:p="http://schemas.openxmlformats.org/presentationml/2006/main" xmlns:m="http://schemas.openxmlformats.org/officeDocument/2006/math" xmlns:a14="http://schemas.microsoft.com/office/drawing/2010/main" showMasterSp="1" showMasterPhAnim="1">
+<p:sld xmlns:a="http://schemas.openxmlformats.org/drawingml/2006/main" xmlns:r="http://schemas.openxmlformats.org/officeDocument/2006/relationships" xmlns:p="http://schemas.openxmlformats.org/presentationml/2006/main">
   <p:cSld>
     <p:spTree>
       <p:nvGrpSpPr>
@@ -5444,7 +5627,9 @@
       <p:sp>
         <p:nvSpPr>
           <p:cNvPr id="191" name="基于马尔可夫链的音乐生成器"/>
-          <p:cNvSpPr txBox="1"/>
+          <p:cNvSpPr txBox="1">
+            <a:spLocks noGrp="1"/>
+          </p:cNvSpPr>
           <p:nvPr>
             <p:ph type="body" idx="13"/>
           </p:nvPr>
@@ -5458,7 +5643,6 @@
           <a:bodyPr/>
           <a:lstStyle/>
           <a:p>
-            <a:pPr/>
             <a:r>
               <a:t>基于马尔可夫链的音乐生成器</a:t>
             </a:r>
@@ -5468,7 +5652,9 @@
       <p:sp>
         <p:nvSpPr>
           <p:cNvPr id="192" name="应用意义"/>
-          <p:cNvSpPr txBox="1"/>
+          <p:cNvSpPr txBox="1">
+            <a:spLocks noGrp="1"/>
+          </p:cNvSpPr>
           <p:nvPr>
             <p:ph type="title"/>
           </p:nvPr>
@@ -5489,7 +5675,6 @@
             </a:lvl1pPr>
           </a:lstStyle>
           <a:p>
-            <a:pPr/>
             <a:r>
               <a:t>应用意义</a:t>
             </a:r>
@@ -5499,7 +5684,9 @@
       <p:sp>
         <p:nvSpPr>
           <p:cNvPr id="193" name="机器作曲…"/>
-          <p:cNvSpPr txBox="1"/>
+          <p:cNvSpPr txBox="1">
+            <a:spLocks noGrp="1"/>
+          </p:cNvSpPr>
           <p:nvPr>
             <p:ph type="body" idx="1"/>
           </p:nvPr>
@@ -5513,22 +5700,25 @@
           <a:bodyPr/>
           <a:lstStyle/>
           <a:p>
-            <a:pPr/>
-            <a:r>
+            <a:r>
+              <a:rPr dirty="0" err="1"/>
               <a:t>机器作曲</a:t>
             </a:r>
-          </a:p>
-          <a:p>
-            <a:pPr/>
-            <a:r>
+            <a:endParaRPr dirty="0"/>
+          </a:p>
+          <a:p>
+            <a:r>
+              <a:rPr dirty="0" err="1"/>
               <a:t>曲风分析</a:t>
             </a:r>
-          </a:p>
-          <a:p>
-            <a:pPr/>
-            <a:r>
+            <a:endParaRPr dirty="0"/>
+          </a:p>
+          <a:p>
+            <a:r>
+              <a:rPr dirty="0" err="1"/>
               <a:t>文本生成</a:t>
             </a:r>
+            <a:endParaRPr dirty="0"/>
           </a:p>
         </p:txBody>
       </p:sp>
@@ -5537,12 +5727,12 @@
   <p:clrMapOvr>
     <a:masterClrMapping/>
   </p:clrMapOvr>
-  <p:transition xmlns:p14="http://schemas.microsoft.com/office/powerpoint/2010/main" spd="med" advClick="1"/>
+  <p:transition spd="med"/>
 </p:sld>
 </file>
 
 <file path=ppt/theme/theme1.xml><?xml version="1.0" encoding="utf-8"?>
-<a:theme xmlns:a="http://schemas.openxmlformats.org/drawingml/2006/main" xmlns:r="http://schemas.openxmlformats.org/officeDocument/2006/relationships" name="New_Template7">
+<a:theme xmlns:a="http://schemas.openxmlformats.org/drawingml/2006/main" name="New_Template7">
   <a:themeElements>
     <a:clrScheme name="New_Template7">
       <a:dk1>
@@ -5741,7 +5931,7 @@
         <a:effectLst/>
         <a:sp3d/>
       </a:spPr>
-      <a:bodyPr rot="0" spcFirstLastPara="1" vertOverflow="overflow" horzOverflow="overflow" vert="horz" wrap="square" lIns="50800" tIns="50800" rIns="50800" bIns="50800" numCol="1" spcCol="38100" rtlCol="0" anchor="ctr" upright="0">
+      <a:bodyPr rot="0" spcFirstLastPara="1" vertOverflow="overflow" horzOverflow="overflow" vert="horz" wrap="square" lIns="50800" tIns="50800" rIns="50800" bIns="50800" numCol="1" spcCol="38100" rtlCol="0" anchor="ctr">
         <a:spAutoFit/>
       </a:bodyPr>
       <a:lstStyle>
@@ -5760,7 +5950,7 @@
           <a:buFontTx/>
           <a:buNone/>
           <a:tabLst/>
-          <a:defRPr b="1" baseline="0" cap="all" i="0" spc="0" strike="noStrike" sz="2800" u="none" kumimoji="0" normalizeH="0">
+          <a:defRPr kumimoji="0" sz="2800" b="1" i="0" u="none" strike="noStrike" cap="all" spc="0" normalizeH="0" baseline="0">
             <a:ln>
               <a:noFill/>
             </a:ln>
@@ -5790,7 +5980,7 @@
           <a:buFontTx/>
           <a:buNone/>
           <a:tabLst/>
-          <a:defRPr b="0" baseline="0" cap="none" i="0" spc="0" strike="noStrike" sz="1800" u="none" kumimoji="0" normalizeH="0">
+          <a:defRPr kumimoji="0" sz="1800" b="0" i="0" u="none" strike="noStrike" cap="none" spc="0" normalizeH="0" baseline="0">
             <a:ln>
               <a:noFill/>
             </a:ln>
@@ -5816,7 +6006,7 @@
           <a:buFontTx/>
           <a:buNone/>
           <a:tabLst/>
-          <a:defRPr b="0" baseline="0" cap="none" i="0" spc="0" strike="noStrike" sz="1800" u="none" kumimoji="0" normalizeH="0">
+          <a:defRPr kumimoji="0" sz="1800" b="0" i="0" u="none" strike="noStrike" cap="none" spc="0" normalizeH="0" baseline="0">
             <a:ln>
               <a:noFill/>
             </a:ln>
@@ -5842,7 +6032,7 @@
           <a:buFontTx/>
           <a:buNone/>
           <a:tabLst/>
-          <a:defRPr b="0" baseline="0" cap="none" i="0" spc="0" strike="noStrike" sz="1800" u="none" kumimoji="0" normalizeH="0">
+          <a:defRPr kumimoji="0" sz="1800" b="0" i="0" u="none" strike="noStrike" cap="none" spc="0" normalizeH="0" baseline="0">
             <a:ln>
               <a:noFill/>
             </a:ln>
@@ -5868,7 +6058,7 @@
           <a:buFontTx/>
           <a:buNone/>
           <a:tabLst/>
-          <a:defRPr b="0" baseline="0" cap="none" i="0" spc="0" strike="noStrike" sz="1800" u="none" kumimoji="0" normalizeH="0">
+          <a:defRPr kumimoji="0" sz="1800" b="0" i="0" u="none" strike="noStrike" cap="none" spc="0" normalizeH="0" baseline="0">
             <a:ln>
               <a:noFill/>
             </a:ln>
@@ -5894,7 +6084,7 @@
           <a:buFontTx/>
           <a:buNone/>
           <a:tabLst/>
-          <a:defRPr b="0" baseline="0" cap="none" i="0" spc="0" strike="noStrike" sz="1800" u="none" kumimoji="0" normalizeH="0">
+          <a:defRPr kumimoji="0" sz="1800" b="0" i="0" u="none" strike="noStrike" cap="none" spc="0" normalizeH="0" baseline="0">
             <a:ln>
               <a:noFill/>
             </a:ln>
@@ -5920,7 +6110,7 @@
           <a:buFontTx/>
           <a:buNone/>
           <a:tabLst/>
-          <a:defRPr b="0" baseline="0" cap="none" i="0" spc="0" strike="noStrike" sz="1800" u="none" kumimoji="0" normalizeH="0">
+          <a:defRPr kumimoji="0" sz="1800" b="0" i="0" u="none" strike="noStrike" cap="none" spc="0" normalizeH="0" baseline="0">
             <a:ln>
               <a:noFill/>
             </a:ln>
@@ -5946,7 +6136,7 @@
           <a:buFontTx/>
           <a:buNone/>
           <a:tabLst/>
-          <a:defRPr b="0" baseline="0" cap="none" i="0" spc="0" strike="noStrike" sz="1800" u="none" kumimoji="0" normalizeH="0">
+          <a:defRPr kumimoji="0" sz="1800" b="0" i="0" u="none" strike="noStrike" cap="none" spc="0" normalizeH="0" baseline="0">
             <a:ln>
               <a:noFill/>
             </a:ln>
@@ -5972,7 +6162,7 @@
           <a:buFontTx/>
           <a:buNone/>
           <a:tabLst/>
-          <a:defRPr b="0" baseline="0" cap="none" i="0" spc="0" strike="noStrike" sz="1800" u="none" kumimoji="0" normalizeH="0">
+          <a:defRPr kumimoji="0" sz="1800" b="0" i="0" u="none" strike="noStrike" cap="none" spc="0" normalizeH="0" baseline="0">
             <a:ln>
               <a:noFill/>
             </a:ln>
@@ -5998,7 +6188,7 @@
           <a:buFontTx/>
           <a:buNone/>
           <a:tabLst/>
-          <a:defRPr b="0" baseline="0" cap="none" i="0" spc="0" strike="noStrike" sz="1800" u="none" kumimoji="0" normalizeH="0">
+          <a:defRPr kumimoji="0" sz="1800" b="0" i="0" u="none" strike="noStrike" cap="none" spc="0" normalizeH="0" baseline="0">
             <a:ln>
               <a:noFill/>
             </a:ln>
@@ -6011,9 +6201,15 @@
         </a:lvl9pPr>
       </a:lstStyle>
       <a:style>
-        <a:lnRef idx="0"/>
-        <a:fillRef idx="0"/>
-        <a:effectRef idx="0"/>
+        <a:lnRef idx="0">
+          <a:scrgbClr r="0" g="0" b="0"/>
+        </a:lnRef>
+        <a:fillRef idx="0">
+          <a:scrgbClr r="0" g="0" b="0"/>
+        </a:fillRef>
+        <a:effectRef idx="0">
+          <a:scrgbClr r="0" g="0" b="0"/>
+        </a:effectRef>
         <a:fontRef idx="none"/>
       </a:style>
     </a:spDef>
@@ -6030,7 +6226,7 @@
         <a:effectLst/>
         <a:sp3d/>
       </a:spPr>
-      <a:bodyPr rot="0" spcFirstLastPara="1" vertOverflow="overflow" horzOverflow="overflow" vert="horz" wrap="square" lIns="91439" tIns="45719" rIns="91439" bIns="45719" numCol="1" spcCol="38100" rtlCol="0" anchor="t" upright="0">
+      <a:bodyPr rot="0" spcFirstLastPara="1" vertOverflow="overflow" horzOverflow="overflow" vert="horz" wrap="square" lIns="91439" tIns="45719" rIns="91439" bIns="45719" numCol="1" spcCol="38100" rtlCol="0" anchor="t">
         <a:noAutofit/>
       </a:bodyPr>
       <a:lstStyle>
@@ -6049,7 +6245,7 @@
           <a:buFontTx/>
           <a:buNone/>
           <a:tabLst/>
-          <a:defRPr b="0" baseline="0" cap="none" i="0" spc="0" strike="noStrike" sz="1800" u="none" kumimoji="0" normalizeH="0">
+          <a:defRPr kumimoji="0" sz="1800" b="0" i="0" u="none" strike="noStrike" cap="none" spc="0" normalizeH="0" baseline="0">
             <a:ln>
               <a:noFill/>
             </a:ln>
@@ -6075,7 +6271,7 @@
           <a:buFontTx/>
           <a:buNone/>
           <a:tabLst/>
-          <a:defRPr b="0" baseline="0" cap="none" i="0" spc="0" strike="noStrike" sz="1800" u="none" kumimoji="0" normalizeH="0">
+          <a:defRPr kumimoji="0" sz="1800" b="0" i="0" u="none" strike="noStrike" cap="none" spc="0" normalizeH="0" baseline="0">
             <a:ln>
               <a:noFill/>
             </a:ln>
@@ -6101,7 +6297,7 @@
           <a:buFontTx/>
           <a:buNone/>
           <a:tabLst/>
-          <a:defRPr b="0" baseline="0" cap="none" i="0" spc="0" strike="noStrike" sz="1800" u="none" kumimoji="0" normalizeH="0">
+          <a:defRPr kumimoji="0" sz="1800" b="0" i="0" u="none" strike="noStrike" cap="none" spc="0" normalizeH="0" baseline="0">
             <a:ln>
               <a:noFill/>
             </a:ln>
@@ -6127,7 +6323,7 @@
           <a:buFontTx/>
           <a:buNone/>
           <a:tabLst/>
-          <a:defRPr b="0" baseline="0" cap="none" i="0" spc="0" strike="noStrike" sz="1800" u="none" kumimoji="0" normalizeH="0">
+          <a:defRPr kumimoji="0" sz="1800" b="0" i="0" u="none" strike="noStrike" cap="none" spc="0" normalizeH="0" baseline="0">
             <a:ln>
               <a:noFill/>
             </a:ln>
@@ -6153,7 +6349,7 @@
           <a:buFontTx/>
           <a:buNone/>
           <a:tabLst/>
-          <a:defRPr b="0" baseline="0" cap="none" i="0" spc="0" strike="noStrike" sz="1800" u="none" kumimoji="0" normalizeH="0">
+          <a:defRPr kumimoji="0" sz="1800" b="0" i="0" u="none" strike="noStrike" cap="none" spc="0" normalizeH="0" baseline="0">
             <a:ln>
               <a:noFill/>
             </a:ln>
@@ -6179,7 +6375,7 @@
           <a:buFontTx/>
           <a:buNone/>
           <a:tabLst/>
-          <a:defRPr b="0" baseline="0" cap="none" i="0" spc="0" strike="noStrike" sz="1800" u="none" kumimoji="0" normalizeH="0">
+          <a:defRPr kumimoji="0" sz="1800" b="0" i="0" u="none" strike="noStrike" cap="none" spc="0" normalizeH="0" baseline="0">
             <a:ln>
               <a:noFill/>
             </a:ln>
@@ -6205,7 +6401,7 @@
           <a:buFontTx/>
           <a:buNone/>
           <a:tabLst/>
-          <a:defRPr b="0" baseline="0" cap="none" i="0" spc="0" strike="noStrike" sz="1800" u="none" kumimoji="0" normalizeH="0">
+          <a:defRPr kumimoji="0" sz="1800" b="0" i="0" u="none" strike="noStrike" cap="none" spc="0" normalizeH="0" baseline="0">
             <a:ln>
               <a:noFill/>
             </a:ln>
@@ -6231,7 +6427,7 @@
           <a:buFontTx/>
           <a:buNone/>
           <a:tabLst/>
-          <a:defRPr b="0" baseline="0" cap="none" i="0" spc="0" strike="noStrike" sz="1800" u="none" kumimoji="0" normalizeH="0">
+          <a:defRPr kumimoji="0" sz="1800" b="0" i="0" u="none" strike="noStrike" cap="none" spc="0" normalizeH="0" baseline="0">
             <a:ln>
               <a:noFill/>
             </a:ln>
@@ -6257,7 +6453,7 @@
           <a:buFontTx/>
           <a:buNone/>
           <a:tabLst/>
-          <a:defRPr b="0" baseline="0" cap="none" i="0" spc="0" strike="noStrike" sz="1800" u="none" kumimoji="0" normalizeH="0">
+          <a:defRPr kumimoji="0" sz="1800" b="0" i="0" u="none" strike="noStrike" cap="none" spc="0" normalizeH="0" baseline="0">
             <a:ln>
               <a:noFill/>
             </a:ln>
@@ -6283,7 +6479,7 @@
           <a:buFontTx/>
           <a:buNone/>
           <a:tabLst/>
-          <a:defRPr b="0" baseline="0" cap="none" i="0" spc="0" strike="noStrike" sz="1800" u="none" kumimoji="0" normalizeH="0">
+          <a:defRPr kumimoji="0" sz="1800" b="0" i="0" u="none" strike="noStrike" cap="none" spc="0" normalizeH="0" baseline="0">
             <a:ln>
               <a:noFill/>
             </a:ln>
@@ -6296,9 +6492,15 @@
         </a:lvl9pPr>
       </a:lstStyle>
       <a:style>
-        <a:lnRef idx="0"/>
-        <a:fillRef idx="0"/>
-        <a:effectRef idx="0"/>
+        <a:lnRef idx="0">
+          <a:scrgbClr r="0" g="0" b="0"/>
+        </a:lnRef>
+        <a:fillRef idx="0">
+          <a:scrgbClr r="0" g="0" b="0"/>
+        </a:fillRef>
+        <a:effectRef idx="0">
+          <a:scrgbClr r="0" g="0" b="0"/>
+        </a:effectRef>
         <a:fontRef idx="none"/>
       </a:style>
     </a:lnDef>
@@ -6312,7 +6514,7 @@
         <a:effectLst/>
         <a:sp3d/>
       </a:spPr>
-      <a:bodyPr rot="0" spcFirstLastPara="1" vertOverflow="overflow" horzOverflow="overflow" vert="horz" wrap="square" lIns="50800" tIns="50800" rIns="50800" bIns="50800" numCol="1" spcCol="38100" rtlCol="0" anchor="ctr" upright="0">
+      <a:bodyPr rot="0" spcFirstLastPara="1" vertOverflow="overflow" horzOverflow="overflow" vert="horz" wrap="square" lIns="50800" tIns="50800" rIns="50800" bIns="50800" numCol="1" spcCol="38100" rtlCol="0" anchor="ctr">
         <a:spAutoFit/>
       </a:bodyPr>
       <a:lstStyle>
@@ -6331,7 +6533,7 @@
           <a:buFontTx/>
           <a:buNone/>
           <a:tabLst/>
-          <a:defRPr b="0" baseline="0" cap="none" i="0" spc="0" strike="noStrike" sz="2000" u="none" kumimoji="0" normalizeH="0">
+          <a:defRPr kumimoji="0" sz="2000" b="0" i="0" u="none" strike="noStrike" cap="none" spc="0" normalizeH="0" baseline="0">
             <a:ln>
               <a:noFill/>
             </a:ln>
@@ -6361,7 +6563,7 @@
           <a:buFontTx/>
           <a:buNone/>
           <a:tabLst/>
-          <a:defRPr b="0" baseline="0" cap="none" i="0" spc="0" strike="noStrike" sz="1800" u="none" kumimoji="0" normalizeH="0">
+          <a:defRPr kumimoji="0" sz="1800" b="0" i="0" u="none" strike="noStrike" cap="none" spc="0" normalizeH="0" baseline="0">
             <a:ln>
               <a:noFill/>
             </a:ln>
@@ -6387,7 +6589,7 @@
           <a:buFontTx/>
           <a:buNone/>
           <a:tabLst/>
-          <a:defRPr b="0" baseline="0" cap="none" i="0" spc="0" strike="noStrike" sz="1800" u="none" kumimoji="0" normalizeH="0">
+          <a:defRPr kumimoji="0" sz="1800" b="0" i="0" u="none" strike="noStrike" cap="none" spc="0" normalizeH="0" baseline="0">
             <a:ln>
               <a:noFill/>
             </a:ln>
@@ -6413,7 +6615,7 @@
           <a:buFontTx/>
           <a:buNone/>
           <a:tabLst/>
-          <a:defRPr b="0" baseline="0" cap="none" i="0" spc="0" strike="noStrike" sz="1800" u="none" kumimoji="0" normalizeH="0">
+          <a:defRPr kumimoji="0" sz="1800" b="0" i="0" u="none" strike="noStrike" cap="none" spc="0" normalizeH="0" baseline="0">
             <a:ln>
               <a:noFill/>
             </a:ln>
@@ -6439,7 +6641,7 @@
           <a:buFontTx/>
           <a:buNone/>
           <a:tabLst/>
-          <a:defRPr b="0" baseline="0" cap="none" i="0" spc="0" strike="noStrike" sz="1800" u="none" kumimoji="0" normalizeH="0">
+          <a:defRPr kumimoji="0" sz="1800" b="0" i="0" u="none" strike="noStrike" cap="none" spc="0" normalizeH="0" baseline="0">
             <a:ln>
               <a:noFill/>
             </a:ln>
@@ -6465,7 +6667,7 @@
           <a:buFontTx/>
           <a:buNone/>
           <a:tabLst/>
-          <a:defRPr b="0" baseline="0" cap="none" i="0" spc="0" strike="noStrike" sz="1800" u="none" kumimoji="0" normalizeH="0">
+          <a:defRPr kumimoji="0" sz="1800" b="0" i="0" u="none" strike="noStrike" cap="none" spc="0" normalizeH="0" baseline="0">
             <a:ln>
               <a:noFill/>
             </a:ln>
@@ -6491,7 +6693,7 @@
           <a:buFontTx/>
           <a:buNone/>
           <a:tabLst/>
-          <a:defRPr b="0" baseline="0" cap="none" i="0" spc="0" strike="noStrike" sz="1800" u="none" kumimoji="0" normalizeH="0">
+          <a:defRPr kumimoji="0" sz="1800" b="0" i="0" u="none" strike="noStrike" cap="none" spc="0" normalizeH="0" baseline="0">
             <a:ln>
               <a:noFill/>
             </a:ln>
@@ -6517,7 +6719,7 @@
           <a:buFontTx/>
           <a:buNone/>
           <a:tabLst/>
-          <a:defRPr b="0" baseline="0" cap="none" i="0" spc="0" strike="noStrike" sz="1800" u="none" kumimoji="0" normalizeH="0">
+          <a:defRPr kumimoji="0" sz="1800" b="0" i="0" u="none" strike="noStrike" cap="none" spc="0" normalizeH="0" baseline="0">
             <a:ln>
               <a:noFill/>
             </a:ln>
@@ -6543,7 +6745,7 @@
           <a:buFontTx/>
           <a:buNone/>
           <a:tabLst/>
-          <a:defRPr b="0" baseline="0" cap="none" i="0" spc="0" strike="noStrike" sz="1800" u="none" kumimoji="0" normalizeH="0">
+          <a:defRPr kumimoji="0" sz="1800" b="0" i="0" u="none" strike="noStrike" cap="none" spc="0" normalizeH="0" baseline="0">
             <a:ln>
               <a:noFill/>
             </a:ln>
@@ -6569,7 +6771,7 @@
           <a:buFontTx/>
           <a:buNone/>
           <a:tabLst/>
-          <a:defRPr b="0" baseline="0" cap="none" i="0" spc="0" strike="noStrike" sz="1800" u="none" kumimoji="0" normalizeH="0">
+          <a:defRPr kumimoji="0" sz="1800" b="0" i="0" u="none" strike="noStrike" cap="none" spc="0" normalizeH="0" baseline="0">
             <a:ln>
               <a:noFill/>
             </a:ln>
@@ -6582,18 +6784,25 @@
         </a:lvl9pPr>
       </a:lstStyle>
       <a:style>
-        <a:lnRef idx="0"/>
-        <a:fillRef idx="0"/>
-        <a:effectRef idx="0"/>
+        <a:lnRef idx="0">
+          <a:scrgbClr r="0" g="0" b="0"/>
+        </a:lnRef>
+        <a:fillRef idx="0">
+          <a:scrgbClr r="0" g="0" b="0"/>
+        </a:fillRef>
+        <a:effectRef idx="0">
+          <a:scrgbClr r="0" g="0" b="0"/>
+        </a:effectRef>
         <a:fontRef idx="none"/>
       </a:style>
     </a:txDef>
   </a:objectDefaults>
+  <a:extraClrSchemeLst/>
 </a:theme>
 </file>
 
 <file path=ppt/theme/theme2.xml><?xml version="1.0" encoding="utf-8"?>
-<a:theme xmlns:a="http://schemas.openxmlformats.org/drawingml/2006/main" xmlns:r="http://schemas.openxmlformats.org/officeDocument/2006/relationships" name="New_Template7">
+<a:theme xmlns:a="http://schemas.openxmlformats.org/drawingml/2006/main" name="New_Template7">
   <a:themeElements>
     <a:clrScheme name="New_Template7">
       <a:dk1>
@@ -6792,7 +7001,7 @@
         <a:effectLst/>
         <a:sp3d/>
       </a:spPr>
-      <a:bodyPr rot="0" spcFirstLastPara="1" vertOverflow="overflow" horzOverflow="overflow" vert="horz" wrap="square" lIns="50800" tIns="50800" rIns="50800" bIns="50800" numCol="1" spcCol="38100" rtlCol="0" anchor="ctr" upright="0">
+      <a:bodyPr rot="0" spcFirstLastPara="1" vertOverflow="overflow" horzOverflow="overflow" vert="horz" wrap="square" lIns="50800" tIns="50800" rIns="50800" bIns="50800" numCol="1" spcCol="38100" rtlCol="0" anchor="ctr">
         <a:spAutoFit/>
       </a:bodyPr>
       <a:lstStyle>
@@ -6811,7 +7020,7 @@
           <a:buFontTx/>
           <a:buNone/>
           <a:tabLst/>
-          <a:defRPr b="1" baseline="0" cap="all" i="0" spc="0" strike="noStrike" sz="2800" u="none" kumimoji="0" normalizeH="0">
+          <a:defRPr kumimoji="0" sz="2800" b="1" i="0" u="none" strike="noStrike" cap="all" spc="0" normalizeH="0" baseline="0">
             <a:ln>
               <a:noFill/>
             </a:ln>
@@ -6841,7 +7050,7 @@
           <a:buFontTx/>
           <a:buNone/>
           <a:tabLst/>
-          <a:defRPr b="0" baseline="0" cap="none" i="0" spc="0" strike="noStrike" sz="1800" u="none" kumimoji="0" normalizeH="0">
+          <a:defRPr kumimoji="0" sz="1800" b="0" i="0" u="none" strike="noStrike" cap="none" spc="0" normalizeH="0" baseline="0">
             <a:ln>
               <a:noFill/>
             </a:ln>
@@ -6867,7 +7076,7 @@
           <a:buFontTx/>
           <a:buNone/>
           <a:tabLst/>
-          <a:defRPr b="0" baseline="0" cap="none" i="0" spc="0" strike="noStrike" sz="1800" u="none" kumimoji="0" normalizeH="0">
+          <a:defRPr kumimoji="0" sz="1800" b="0" i="0" u="none" strike="noStrike" cap="none" spc="0" normalizeH="0" baseline="0">
             <a:ln>
               <a:noFill/>
             </a:ln>
@@ -6893,7 +7102,7 @@
           <a:buFontTx/>
           <a:buNone/>
           <a:tabLst/>
-          <a:defRPr b="0" baseline="0" cap="none" i="0" spc="0" strike="noStrike" sz="1800" u="none" kumimoji="0" normalizeH="0">
+          <a:defRPr kumimoji="0" sz="1800" b="0" i="0" u="none" strike="noStrike" cap="none" spc="0" normalizeH="0" baseline="0">
             <a:ln>
               <a:noFill/>
             </a:ln>
@@ -6919,7 +7128,7 @@
           <a:buFontTx/>
           <a:buNone/>
           <a:tabLst/>
-          <a:defRPr b="0" baseline="0" cap="none" i="0" spc="0" strike="noStrike" sz="1800" u="none" kumimoji="0" normalizeH="0">
+          <a:defRPr kumimoji="0" sz="1800" b="0" i="0" u="none" strike="noStrike" cap="none" spc="0" normalizeH="0" baseline="0">
             <a:ln>
               <a:noFill/>
             </a:ln>
@@ -6945,7 +7154,7 @@
           <a:buFontTx/>
           <a:buNone/>
           <a:tabLst/>
-          <a:defRPr b="0" baseline="0" cap="none" i="0" spc="0" strike="noStrike" sz="1800" u="none" kumimoji="0" normalizeH="0">
+          <a:defRPr kumimoji="0" sz="1800" b="0" i="0" u="none" strike="noStrike" cap="none" spc="0" normalizeH="0" baseline="0">
             <a:ln>
               <a:noFill/>
             </a:ln>
@@ -6971,7 +7180,7 @@
           <a:buFontTx/>
           <a:buNone/>
           <a:tabLst/>
-          <a:defRPr b="0" baseline="0" cap="none" i="0" spc="0" strike="noStrike" sz="1800" u="none" kumimoji="0" normalizeH="0">
+          <a:defRPr kumimoji="0" sz="1800" b="0" i="0" u="none" strike="noStrike" cap="none" spc="0" normalizeH="0" baseline="0">
             <a:ln>
               <a:noFill/>
             </a:ln>
@@ -6997,7 +7206,7 @@
           <a:buFontTx/>
           <a:buNone/>
           <a:tabLst/>
-          <a:defRPr b="0" baseline="0" cap="none" i="0" spc="0" strike="noStrike" sz="1800" u="none" kumimoji="0" normalizeH="0">
+          <a:defRPr kumimoji="0" sz="1800" b="0" i="0" u="none" strike="noStrike" cap="none" spc="0" normalizeH="0" baseline="0">
             <a:ln>
               <a:noFill/>
             </a:ln>
@@ -7023,7 +7232,7 @@
           <a:buFontTx/>
           <a:buNone/>
           <a:tabLst/>
-          <a:defRPr b="0" baseline="0" cap="none" i="0" spc="0" strike="noStrike" sz="1800" u="none" kumimoji="0" normalizeH="0">
+          <a:defRPr kumimoji="0" sz="1800" b="0" i="0" u="none" strike="noStrike" cap="none" spc="0" normalizeH="0" baseline="0">
             <a:ln>
               <a:noFill/>
             </a:ln>
@@ -7049,7 +7258,7 @@
           <a:buFontTx/>
           <a:buNone/>
           <a:tabLst/>
-          <a:defRPr b="0" baseline="0" cap="none" i="0" spc="0" strike="noStrike" sz="1800" u="none" kumimoji="0" normalizeH="0">
+          <a:defRPr kumimoji="0" sz="1800" b="0" i="0" u="none" strike="noStrike" cap="none" spc="0" normalizeH="0" baseline="0">
             <a:ln>
               <a:noFill/>
             </a:ln>
@@ -7062,9 +7271,15 @@
         </a:lvl9pPr>
       </a:lstStyle>
       <a:style>
-        <a:lnRef idx="0"/>
-        <a:fillRef idx="0"/>
-        <a:effectRef idx="0"/>
+        <a:lnRef idx="0">
+          <a:scrgbClr r="0" g="0" b="0"/>
+        </a:lnRef>
+        <a:fillRef idx="0">
+          <a:scrgbClr r="0" g="0" b="0"/>
+        </a:fillRef>
+        <a:effectRef idx="0">
+          <a:scrgbClr r="0" g="0" b="0"/>
+        </a:effectRef>
         <a:fontRef idx="none"/>
       </a:style>
     </a:spDef>
@@ -7081,7 +7296,7 @@
         <a:effectLst/>
         <a:sp3d/>
       </a:spPr>
-      <a:bodyPr rot="0" spcFirstLastPara="1" vertOverflow="overflow" horzOverflow="overflow" vert="horz" wrap="square" lIns="91439" tIns="45719" rIns="91439" bIns="45719" numCol="1" spcCol="38100" rtlCol="0" anchor="t" upright="0">
+      <a:bodyPr rot="0" spcFirstLastPara="1" vertOverflow="overflow" horzOverflow="overflow" vert="horz" wrap="square" lIns="91439" tIns="45719" rIns="91439" bIns="45719" numCol="1" spcCol="38100" rtlCol="0" anchor="t">
         <a:noAutofit/>
       </a:bodyPr>
       <a:lstStyle>
@@ -7100,7 +7315,7 @@
           <a:buFontTx/>
           <a:buNone/>
           <a:tabLst/>
-          <a:defRPr b="0" baseline="0" cap="none" i="0" spc="0" strike="noStrike" sz="1800" u="none" kumimoji="0" normalizeH="0">
+          <a:defRPr kumimoji="0" sz="1800" b="0" i="0" u="none" strike="noStrike" cap="none" spc="0" normalizeH="0" baseline="0">
             <a:ln>
               <a:noFill/>
             </a:ln>
@@ -7126,7 +7341,7 @@
           <a:buFontTx/>
           <a:buNone/>
           <a:tabLst/>
-          <a:defRPr b="0" baseline="0" cap="none" i="0" spc="0" strike="noStrike" sz="1800" u="none" kumimoji="0" normalizeH="0">
+          <a:defRPr kumimoji="0" sz="1800" b="0" i="0" u="none" strike="noStrike" cap="none" spc="0" normalizeH="0" baseline="0">
             <a:ln>
               <a:noFill/>
             </a:ln>
@@ -7152,7 +7367,7 @@
           <a:buFontTx/>
           <a:buNone/>
           <a:tabLst/>
-          <a:defRPr b="0" baseline="0" cap="none" i="0" spc="0" strike="noStrike" sz="1800" u="none" kumimoji="0" normalizeH="0">
+          <a:defRPr kumimoji="0" sz="1800" b="0" i="0" u="none" strike="noStrike" cap="none" spc="0" normalizeH="0" baseline="0">
             <a:ln>
               <a:noFill/>
             </a:ln>
@@ -7178,7 +7393,7 @@
           <a:buFontTx/>
           <a:buNone/>
           <a:tabLst/>
-          <a:defRPr b="0" baseline="0" cap="none" i="0" spc="0" strike="noStrike" sz="1800" u="none" kumimoji="0" normalizeH="0">
+          <a:defRPr kumimoji="0" sz="1800" b="0" i="0" u="none" strike="noStrike" cap="none" spc="0" normalizeH="0" baseline="0">
             <a:ln>
               <a:noFill/>
             </a:ln>
@@ -7204,7 +7419,7 @@
           <a:buFontTx/>
           <a:buNone/>
           <a:tabLst/>
-          <a:defRPr b="0" baseline="0" cap="none" i="0" spc="0" strike="noStrike" sz="1800" u="none" kumimoji="0" normalizeH="0">
+          <a:defRPr kumimoji="0" sz="1800" b="0" i="0" u="none" strike="noStrike" cap="none" spc="0" normalizeH="0" baseline="0">
             <a:ln>
               <a:noFill/>
             </a:ln>
@@ -7230,7 +7445,7 @@
           <a:buFontTx/>
           <a:buNone/>
           <a:tabLst/>
-          <a:defRPr b="0" baseline="0" cap="none" i="0" spc="0" strike="noStrike" sz="1800" u="none" kumimoji="0" normalizeH="0">
+          <a:defRPr kumimoji="0" sz="1800" b="0" i="0" u="none" strike="noStrike" cap="none" spc="0" normalizeH="0" baseline="0">
             <a:ln>
               <a:noFill/>
             </a:ln>
@@ -7256,7 +7471,7 @@
           <a:buFontTx/>
           <a:buNone/>
           <a:tabLst/>
-          <a:defRPr b="0" baseline="0" cap="none" i="0" spc="0" strike="noStrike" sz="1800" u="none" kumimoji="0" normalizeH="0">
+          <a:defRPr kumimoji="0" sz="1800" b="0" i="0" u="none" strike="noStrike" cap="none" spc="0" normalizeH="0" baseline="0">
             <a:ln>
               <a:noFill/>
             </a:ln>
@@ -7282,7 +7497,7 @@
           <a:buFontTx/>
           <a:buNone/>
           <a:tabLst/>
-          <a:defRPr b="0" baseline="0" cap="none" i="0" spc="0" strike="noStrike" sz="1800" u="none" kumimoji="0" normalizeH="0">
+          <a:defRPr kumimoji="0" sz="1800" b="0" i="0" u="none" strike="noStrike" cap="none" spc="0" normalizeH="0" baseline="0">
             <a:ln>
               <a:noFill/>
             </a:ln>
@@ -7308,7 +7523,7 @@
           <a:buFontTx/>
           <a:buNone/>
           <a:tabLst/>
-          <a:defRPr b="0" baseline="0" cap="none" i="0" spc="0" strike="noStrike" sz="1800" u="none" kumimoji="0" normalizeH="0">
+          <a:defRPr kumimoji="0" sz="1800" b="0" i="0" u="none" strike="noStrike" cap="none" spc="0" normalizeH="0" baseline="0">
             <a:ln>
               <a:noFill/>
             </a:ln>
@@ -7334,7 +7549,7 @@
           <a:buFontTx/>
           <a:buNone/>
           <a:tabLst/>
-          <a:defRPr b="0" baseline="0" cap="none" i="0" spc="0" strike="noStrike" sz="1800" u="none" kumimoji="0" normalizeH="0">
+          <a:defRPr kumimoji="0" sz="1800" b="0" i="0" u="none" strike="noStrike" cap="none" spc="0" normalizeH="0" baseline="0">
             <a:ln>
               <a:noFill/>
             </a:ln>
@@ -7347,9 +7562,15 @@
         </a:lvl9pPr>
       </a:lstStyle>
       <a:style>
-        <a:lnRef idx="0"/>
-        <a:fillRef idx="0"/>
-        <a:effectRef idx="0"/>
+        <a:lnRef idx="0">
+          <a:scrgbClr r="0" g="0" b="0"/>
+        </a:lnRef>
+        <a:fillRef idx="0">
+          <a:scrgbClr r="0" g="0" b="0"/>
+        </a:fillRef>
+        <a:effectRef idx="0">
+          <a:scrgbClr r="0" g="0" b="0"/>
+        </a:effectRef>
         <a:fontRef idx="none"/>
       </a:style>
     </a:lnDef>
@@ -7363,7 +7584,7 @@
         <a:effectLst/>
         <a:sp3d/>
       </a:spPr>
-      <a:bodyPr rot="0" spcFirstLastPara="1" vertOverflow="overflow" horzOverflow="overflow" vert="horz" wrap="square" lIns="50800" tIns="50800" rIns="50800" bIns="50800" numCol="1" spcCol="38100" rtlCol="0" anchor="ctr" upright="0">
+      <a:bodyPr rot="0" spcFirstLastPara="1" vertOverflow="overflow" horzOverflow="overflow" vert="horz" wrap="square" lIns="50800" tIns="50800" rIns="50800" bIns="50800" numCol="1" spcCol="38100" rtlCol="0" anchor="ctr">
         <a:spAutoFit/>
       </a:bodyPr>
       <a:lstStyle>
@@ -7382,7 +7603,7 @@
           <a:buFontTx/>
           <a:buNone/>
           <a:tabLst/>
-          <a:defRPr b="0" baseline="0" cap="none" i="0" spc="0" strike="noStrike" sz="2000" u="none" kumimoji="0" normalizeH="0">
+          <a:defRPr kumimoji="0" sz="2000" b="0" i="0" u="none" strike="noStrike" cap="none" spc="0" normalizeH="0" baseline="0">
             <a:ln>
               <a:noFill/>
             </a:ln>
@@ -7412,7 +7633,7 @@
           <a:buFontTx/>
           <a:buNone/>
           <a:tabLst/>
-          <a:defRPr b="0" baseline="0" cap="none" i="0" spc="0" strike="noStrike" sz="1800" u="none" kumimoji="0" normalizeH="0">
+          <a:defRPr kumimoji="0" sz="1800" b="0" i="0" u="none" strike="noStrike" cap="none" spc="0" normalizeH="0" baseline="0">
             <a:ln>
               <a:noFill/>
             </a:ln>
@@ -7438,7 +7659,7 @@
           <a:buFontTx/>
           <a:buNone/>
           <a:tabLst/>
-          <a:defRPr b="0" baseline="0" cap="none" i="0" spc="0" strike="noStrike" sz="1800" u="none" kumimoji="0" normalizeH="0">
+          <a:defRPr kumimoji="0" sz="1800" b="0" i="0" u="none" strike="noStrike" cap="none" spc="0" normalizeH="0" baseline="0">
             <a:ln>
               <a:noFill/>
             </a:ln>
@@ -7464,7 +7685,7 @@
           <a:buFontTx/>
           <a:buNone/>
           <a:tabLst/>
-          <a:defRPr b="0" baseline="0" cap="none" i="0" spc="0" strike="noStrike" sz="1800" u="none" kumimoji="0" normalizeH="0">
+          <a:defRPr kumimoji="0" sz="1800" b="0" i="0" u="none" strike="noStrike" cap="none" spc="0" normalizeH="0" baseline="0">
             <a:ln>
               <a:noFill/>
             </a:ln>
@@ -7490,7 +7711,7 @@
           <a:buFontTx/>
           <a:buNone/>
           <a:tabLst/>
-          <a:defRPr b="0" baseline="0" cap="none" i="0" spc="0" strike="noStrike" sz="1800" u="none" kumimoji="0" normalizeH="0">
+          <a:defRPr kumimoji="0" sz="1800" b="0" i="0" u="none" strike="noStrike" cap="none" spc="0" normalizeH="0" baseline="0">
             <a:ln>
               <a:noFill/>
             </a:ln>
@@ -7516,7 +7737,7 @@
           <a:buFontTx/>
           <a:buNone/>
           <a:tabLst/>
-          <a:defRPr b="0" baseline="0" cap="none" i="0" spc="0" strike="noStrike" sz="1800" u="none" kumimoji="0" normalizeH="0">
+          <a:defRPr kumimoji="0" sz="1800" b="0" i="0" u="none" strike="noStrike" cap="none" spc="0" normalizeH="0" baseline="0">
             <a:ln>
               <a:noFill/>
             </a:ln>
@@ -7542,7 +7763,7 @@
           <a:buFontTx/>
           <a:buNone/>
           <a:tabLst/>
-          <a:defRPr b="0" baseline="0" cap="none" i="0" spc="0" strike="noStrike" sz="1800" u="none" kumimoji="0" normalizeH="0">
+          <a:defRPr kumimoji="0" sz="1800" b="0" i="0" u="none" strike="noStrike" cap="none" spc="0" normalizeH="0" baseline="0">
             <a:ln>
               <a:noFill/>
             </a:ln>
@@ -7568,7 +7789,7 @@
           <a:buFontTx/>
           <a:buNone/>
           <a:tabLst/>
-          <a:defRPr b="0" baseline="0" cap="none" i="0" spc="0" strike="noStrike" sz="1800" u="none" kumimoji="0" normalizeH="0">
+          <a:defRPr kumimoji="0" sz="1800" b="0" i="0" u="none" strike="noStrike" cap="none" spc="0" normalizeH="0" baseline="0">
             <a:ln>
               <a:noFill/>
             </a:ln>
@@ -7594,7 +7815,7 @@
           <a:buFontTx/>
           <a:buNone/>
           <a:tabLst/>
-          <a:defRPr b="0" baseline="0" cap="none" i="0" spc="0" strike="noStrike" sz="1800" u="none" kumimoji="0" normalizeH="0">
+          <a:defRPr kumimoji="0" sz="1800" b="0" i="0" u="none" strike="noStrike" cap="none" spc="0" normalizeH="0" baseline="0">
             <a:ln>
               <a:noFill/>
             </a:ln>
@@ -7620,7 +7841,7 @@
           <a:buFontTx/>
           <a:buNone/>
           <a:tabLst/>
-          <a:defRPr b="0" baseline="0" cap="none" i="0" spc="0" strike="noStrike" sz="1800" u="none" kumimoji="0" normalizeH="0">
+          <a:defRPr kumimoji="0" sz="1800" b="0" i="0" u="none" strike="noStrike" cap="none" spc="0" normalizeH="0" baseline="0">
             <a:ln>
               <a:noFill/>
             </a:ln>
@@ -7633,12 +7854,19 @@
         </a:lvl9pPr>
       </a:lstStyle>
       <a:style>
-        <a:lnRef idx="0"/>
-        <a:fillRef idx="0"/>
-        <a:effectRef idx="0"/>
+        <a:lnRef idx="0">
+          <a:scrgbClr r="0" g="0" b="0"/>
+        </a:lnRef>
+        <a:fillRef idx="0">
+          <a:scrgbClr r="0" g="0" b="0"/>
+        </a:fillRef>
+        <a:effectRef idx="0">
+          <a:scrgbClr r="0" g="0" b="0"/>
+        </a:effectRef>
         <a:fontRef idx="none"/>
       </a:style>
     </a:txDef>
   </a:objectDefaults>
+  <a:extraClrSchemeLst/>
 </a:theme>
 </file>
--- a/立项ppt/report.pptx
+++ b/立项ppt/report.pptx
@@ -317,6 +317,11 @@
       </a:defRPr>
     </a:lvl9pPr>
   </p:defaultTextStyle>
+  <p:extLst>
+    <p:ext uri="{EFAFB233-063F-42B5-8137-9DF3F51BA10A}">
+      <p15:sldGuideLst xmlns:p15="http://schemas.microsoft.com/office/powerpoint/2012/main"/>
+    </p:ext>
+  </p:extLst>
 </p:presentation>
 </file>
 
@@ -4995,8 +5000,10 @@
               <a:defRPr sz="3366"/>
             </a:pPr>
             <a:r>
+              <a:rPr dirty="0" err="1"/>
               <a:t>程序处理给定的多个音乐样本，从中总结规律，生成一段新的音乐</a:t>
             </a:r>
+            <a:endParaRPr dirty="0"/>
           </a:p>
           <a:p>
             <a:pPr marL="440055" indent="-440055" defTabSz="578358">
@@ -5006,8 +5013,10 @@
               <a:defRPr sz="3366"/>
             </a:pPr>
             <a:r>
+              <a:rPr dirty="0" err="1"/>
               <a:t>处理：以小节为粒度切分</a:t>
             </a:r>
+            <a:endParaRPr dirty="0"/>
           </a:p>
           <a:p>
             <a:pPr marL="440055" indent="-440055" defTabSz="578358">
@@ -5017,8 +5026,10 @@
               <a:defRPr sz="3366"/>
             </a:pPr>
             <a:r>
+              <a:rPr dirty="0" err="1"/>
               <a:t>音乐样本：全部为midi格式</a:t>
             </a:r>
+            <a:endParaRPr dirty="0"/>
           </a:p>
           <a:p>
             <a:pPr marL="440055" indent="-440055" defTabSz="578358">
@@ -5028,8 +5039,10 @@
               <a:defRPr sz="3366"/>
             </a:pPr>
             <a:r>
+              <a:rPr dirty="0" err="1"/>
               <a:t>总结规律：马尔可夫链</a:t>
             </a:r>
+            <a:endParaRPr dirty="0"/>
           </a:p>
           <a:p>
             <a:pPr marL="440055" indent="-440055" defTabSz="578358">
@@ -5039,8 +5052,10 @@
               <a:defRPr sz="3366"/>
             </a:pPr>
             <a:r>
+              <a:rPr dirty="0" err="1"/>
               <a:t>生成：随机游走</a:t>
             </a:r>
+            <a:endParaRPr dirty="0"/>
           </a:p>
           <a:p>
             <a:pPr marL="440055" indent="-440055" defTabSz="578358">
@@ -5050,8 +5065,10 @@
               <a:defRPr sz="3366"/>
             </a:pPr>
             <a:r>
+              <a:rPr dirty="0" err="1"/>
               <a:t>新的音乐：midi格式输出</a:t>
             </a:r>
+            <a:endParaRPr dirty="0"/>
           </a:p>
         </p:txBody>
       </p:sp>
@@ -5139,8 +5156,8 @@
         </p:blipFill>
         <p:spPr>
           <a:xfrm>
-            <a:off x="1270000" y="1327149"/>
-            <a:ext cx="9494317" cy="4303901"/>
+            <a:off x="406400" y="187749"/>
+            <a:ext cx="12334277" cy="5591293"/>
           </a:xfrm>
           <a:prstGeom prst="rect">
             <a:avLst/>
@@ -5160,7 +5177,7 @@
 </file>
 
 <file path=ppt/slides/slide4.xml><?xml version="1.0" encoding="utf-8"?>
-<p:sld xmlns:a="http://schemas.openxmlformats.org/drawingml/2006/main" xmlns:r="http://schemas.openxmlformats.org/officeDocument/2006/relationships" xmlns:p="http://schemas.openxmlformats.org/presentationml/2006/main">
+<p:sld xmlns:a="http://schemas.openxmlformats.org/drawingml/2006/main" xmlns:r="http://schemas.openxmlformats.org/officeDocument/2006/relationships" xmlns:p="http://schemas.openxmlformats.org/presentationml/2006/main" show="0">
   <p:cSld>
     <p:spTree>
       <p:nvGrpSpPr>
@@ -5234,8 +5251,8 @@
         </p:blipFill>
         <p:spPr>
           <a:xfrm>
-            <a:off x="317500" y="787399"/>
-            <a:ext cx="10407404" cy="4666448"/>
+            <a:off x="290996" y="284937"/>
+            <a:ext cx="12060030" cy="5407449"/>
           </a:xfrm>
           <a:prstGeom prst="rect">
             <a:avLst/>
@@ -5571,7 +5588,11 @@
               </a:spcBef>
               <a:defRPr sz="3480"/>
             </a:pPr>
-            <a:endParaRPr/>
+            <a:r>
+              <a:rPr lang="zh-CN" altLang="en-US" dirty="0"/>
+              <a:t>音乐生成</a:t>
+            </a:r>
+            <a:endParaRPr dirty="0"/>
           </a:p>
         </p:txBody>
       </p:sp>
@@ -5594,7 +5615,125 @@
           <a:bodyPr/>
           <a:lstStyle/>
           <a:p>
-            <a:endParaRPr/>
+            <a:r>
+              <a:rPr lang="zh-CN" altLang="en-US" dirty="0"/>
+              <a:t>接收音乐，构造马尔可夫链</a:t>
+            </a:r>
+            <a:endParaRPr lang="en-US" altLang="zh-CN" dirty="0"/>
+          </a:p>
+          <a:p>
+            <a:pPr lvl="1"/>
+            <a:r>
+              <a:rPr lang="zh-CN" altLang="en-US" dirty="0"/>
+              <a:t>小节</a:t>
+            </a:r>
+            <a:r>
+              <a:rPr lang="en-US" altLang="zh-CN" dirty="0"/>
+              <a:t>-&gt;</a:t>
+            </a:r>
+            <a:r>
+              <a:rPr lang="zh-CN" altLang="en-US" dirty="0"/>
+              <a:t>结点</a:t>
+            </a:r>
+            <a:endParaRPr lang="en-US" altLang="zh-CN" dirty="0"/>
+          </a:p>
+          <a:p>
+            <a:pPr lvl="1"/>
+            <a:r>
+              <a:rPr lang="zh-CN" altLang="en-US" dirty="0"/>
+              <a:t>后继关系</a:t>
+            </a:r>
+            <a:r>
+              <a:rPr lang="en-US" altLang="zh-CN" dirty="0"/>
+              <a:t>-&gt;</a:t>
+            </a:r>
+            <a:r>
+              <a:rPr lang="zh-CN" altLang="en-US" dirty="0"/>
+              <a:t>转移概率</a:t>
+            </a:r>
+            <a:endParaRPr lang="en-US" altLang="zh-CN" dirty="0"/>
+          </a:p>
+          <a:p>
+            <a:r>
+              <a:rPr lang="zh-CN" altLang="en-US" dirty="0"/>
+              <a:t>生成</a:t>
+            </a:r>
+            <a:endParaRPr lang="en-US" altLang="zh-CN" dirty="0"/>
+          </a:p>
+          <a:p>
+            <a:pPr lvl="1"/>
+            <a:r>
+              <a:rPr lang="zh-CN" altLang="en-US" dirty="0"/>
+              <a:t>起始（原来的头</a:t>
+            </a:r>
+            <a:r>
+              <a:rPr lang="en-US" altLang="zh-CN" dirty="0"/>
+              <a:t>||</a:t>
+            </a:r>
+            <a:r>
+              <a:rPr lang="zh-CN" altLang="en-US" dirty="0"/>
+              <a:t>随机）</a:t>
+            </a:r>
+            <a:endParaRPr lang="en-US" altLang="zh-CN" dirty="0"/>
+          </a:p>
+          <a:p>
+            <a:pPr lvl="1"/>
+            <a:r>
+              <a:rPr lang="zh-CN" altLang="en-US" dirty="0"/>
+              <a:t>下一步（链上</a:t>
+            </a:r>
+            <a:r>
+              <a:rPr lang="en-US" altLang="zh-CN" dirty="0"/>
+              <a:t>||</a:t>
+            </a:r>
+            <a:r>
+              <a:rPr lang="zh-CN" altLang="en-US" dirty="0"/>
+              <a:t>随机</a:t>
+            </a:r>
+            <a:r>
+              <a:rPr lang="en-US" altLang="zh-CN" dirty="0"/>
+              <a:t>||</a:t>
+            </a:r>
+            <a:r>
+              <a:rPr lang="zh-CN" altLang="en-US" dirty="0"/>
+              <a:t>起始）</a:t>
+            </a:r>
+            <a:endParaRPr lang="en-US" altLang="zh-CN" dirty="0"/>
+          </a:p>
+          <a:p>
+            <a:pPr lvl="1"/>
+            <a:r>
+              <a:rPr lang="zh-CN" altLang="en-US" dirty="0"/>
+              <a:t>终止（空</a:t>
+            </a:r>
+            <a:r>
+              <a:rPr lang="en-US" altLang="zh-CN" dirty="0"/>
+              <a:t>||</a:t>
+            </a:r>
+            <a:r>
+              <a:rPr lang="zh-CN" altLang="en-US" dirty="0"/>
+              <a:t>超平均</a:t>
+            </a:r>
+            <a:r>
+              <a:rPr lang="en-US" altLang="zh-CN" dirty="0"/>
+              <a:t>||</a:t>
+            </a:r>
+            <a:r>
+              <a:rPr lang="zh-CN" altLang="en-US" dirty="0"/>
+              <a:t>遇见结尾</a:t>
+            </a:r>
+            <a:r>
+              <a:rPr lang="en-US" altLang="zh-CN" dirty="0"/>
+              <a:t>||</a:t>
+            </a:r>
+            <a:r>
+              <a:rPr lang="zh-CN" altLang="en-US" dirty="0"/>
+              <a:t>随机）</a:t>
+            </a:r>
+            <a:endParaRPr lang="en-US" altLang="zh-CN" dirty="0"/>
+          </a:p>
+          <a:p>
+            <a:endParaRPr dirty="0"/>
           </a:p>
         </p:txBody>
       </p:sp>
@@ -5717,6 +5856,13 @@
             <a:r>
               <a:rPr dirty="0" err="1"/>
               <a:t>文本生成</a:t>
+            </a:r>
+            <a:endParaRPr lang="en-US" altLang="zh-CN" dirty="0"/>
+          </a:p>
+          <a:p>
+            <a:r>
+              <a:rPr lang="en-US" altLang="zh-CN"/>
+              <a:t>Vocaloid</a:t>
             </a:r>
             <a:endParaRPr dirty="0"/>
           </a:p>

--- a/立项ppt/report.pptx
+++ b/立项ppt/report.pptx
@@ -4838,31 +4838,35 @@
         <p:spPr>
           <a:xfrm>
             <a:off x="406400" y="6426200"/>
-            <a:ext cx="12598400" cy="2705100"/>
+            <a:ext cx="12487966" cy="2492513"/>
           </a:xfrm>
           <a:prstGeom prst="rect">
             <a:avLst/>
           </a:prstGeom>
         </p:spPr>
         <p:txBody>
-          <a:bodyPr/>
+          <a:bodyPr>
+            <a:normAutofit/>
+          </a:bodyPr>
           <a:lstStyle/>
           <a:p>
             <a:pPr defTabSz="251206">
               <a:defRPr sz="7310"/>
             </a:pPr>
             <a:r>
-              <a:rPr dirty="0" err="1"/>
+              <a:rPr cap="none" dirty="0" err="1">
+                <a:latin typeface="Consolas" panose="020B0609020204030204" pitchFamily="49" charset="0"/>
+              </a:rPr>
               <a:t>JavaComposer</a:t>
             </a:r>
             <a:br>
-              <a:rPr dirty="0"/>
+              <a:rPr lang="en-US" altLang="zh-CN" cap="none" dirty="0"/>
             </a:br>
             <a:r>
-              <a:rPr dirty="0" err="1"/>
+              <a:rPr cap="none" dirty="0" err="1"/>
               <a:t>基于马尔可夫链的音乐生成器</a:t>
             </a:r>
-            <a:endParaRPr dirty="0"/>
+            <a:endParaRPr cap="none" dirty="0"/>
           </a:p>
         </p:txBody>
       </p:sp>
@@ -4877,17 +4881,54 @@
           </p:nvPr>
         </p:nvSpPr>
         <p:spPr>
+          <a:xfrm>
+            <a:off x="406399" y="4280452"/>
+            <a:ext cx="12143409" cy="1790147"/>
+          </a:xfrm>
           <a:prstGeom prst="rect">
             <a:avLst/>
           </a:prstGeom>
         </p:spPr>
         <p:txBody>
-          <a:bodyPr/>
+          <a:bodyPr>
+            <a:normAutofit fontScale="70000" lnSpcReduction="20000"/>
+          </a:bodyPr>
           <a:lstStyle/>
           <a:p>
             <a:r>
-              <a:t>冉德龙&amp;黄宇龙</a:t>
-            </a:r>
+              <a:rPr lang="zh-CN" altLang="en-US" dirty="0"/>
+              <a:t>泰山学堂</a:t>
+            </a:r>
+            <a:r>
+              <a:rPr lang="en-US" altLang="zh-CN" dirty="0"/>
+              <a:t>2018</a:t>
+            </a:r>
+            <a:r>
+              <a:rPr lang="zh-CN" altLang="en-US" dirty="0"/>
+              <a:t>级计算机取向</a:t>
+            </a:r>
+            <a:endParaRPr lang="en-US" altLang="zh-CN" dirty="0"/>
+          </a:p>
+          <a:p>
+            <a:r>
+              <a:rPr dirty="0" err="1"/>
+              <a:t>冉德龙</a:t>
+            </a:r>
+            <a:r>
+              <a:rPr lang="en-US" altLang="zh-CN" dirty="0"/>
+              <a:t>	201805130153</a:t>
+            </a:r>
+          </a:p>
+          <a:p>
+            <a:r>
+              <a:rPr dirty="0" err="1"/>
+              <a:t>黄宇龙</a:t>
+            </a:r>
+            <a:r>
+              <a:rPr lang="en-US" altLang="zh-CN" dirty="0"/>
+              <a:t>	201805130150</a:t>
+            </a:r>
+            <a:endParaRPr dirty="0"/>
           </a:p>
         </p:txBody>
       </p:sp>
@@ -5001,9 +5042,37 @@
             </a:pPr>
             <a:r>
               <a:rPr dirty="0" err="1"/>
-              <a:t>程序处理给定的多个音乐样本，从中总结规律，生成一段新的音乐</a:t>
-            </a:r>
-            <a:endParaRPr dirty="0"/>
+              <a:t>程序</a:t>
+            </a:r>
+            <a:r>
+              <a:rPr b="1" dirty="0" err="1"/>
+              <a:t>处理</a:t>
+            </a:r>
+            <a:r>
+              <a:rPr dirty="0" err="1"/>
+              <a:t>给定的多个</a:t>
+            </a:r>
+            <a:r>
+              <a:rPr b="1" dirty="0" err="1"/>
+              <a:t>音乐样本</a:t>
+            </a:r>
+            <a:r>
+              <a:rPr dirty="0" err="1"/>
+              <a:t>，从中</a:t>
+            </a:r>
+            <a:r>
+              <a:rPr b="1" dirty="0" err="1"/>
+              <a:t>总结规律</a:t>
+            </a:r>
+            <a:r>
+              <a:rPr dirty="0" err="1"/>
+              <a:t>，生成一段</a:t>
+            </a:r>
+            <a:r>
+              <a:rPr b="1" dirty="0" err="1"/>
+              <a:t>新的音乐</a:t>
+            </a:r>
+            <a:endParaRPr b="1" dirty="0"/>
           </a:p>
           <a:p>
             <a:pPr marL="440055" indent="-440055" defTabSz="578358">

--- a/立项ppt/report.pptx
+++ b/立项ppt/report.pptx
@@ -3827,7 +3827,7 @@
           </a:ln>
           <a:extLst>
             <a:ext uri="{C572A759-6A51-4108-AA02-DFA0A04FC94B}">
-              <ma14:wrappingTextBoxFlag xmlns:ma14="http://schemas.microsoft.com/office/mac/drawingml/2011/main" xmlns:a14="http://schemas.microsoft.com/office/drawing/2010/main" xmlns:m="http://schemas.openxmlformats.org/officeDocument/2006/math" xmlns="" val="1"/>
+              <ma14:wrappingTextBoxFlag xmlns="" xmlns:m="http://schemas.openxmlformats.org/officeDocument/2006/math" xmlns:a14="http://schemas.microsoft.com/office/drawing/2010/main" xmlns:ma14="http://schemas.microsoft.com/office/mac/drawingml/2011/main" val="1"/>
             </a:ext>
           </a:extLst>
         </p:spPr>
@@ -3866,7 +3866,7 @@
           </a:ln>
           <a:extLst>
             <a:ext uri="{C572A759-6A51-4108-AA02-DFA0A04FC94B}">
-              <ma14:wrappingTextBoxFlag xmlns:ma14="http://schemas.microsoft.com/office/mac/drawingml/2011/main" xmlns:a14="http://schemas.microsoft.com/office/drawing/2010/main" xmlns:m="http://schemas.openxmlformats.org/officeDocument/2006/math" xmlns="" val="1"/>
+              <ma14:wrappingTextBoxFlag xmlns="" xmlns:m="http://schemas.openxmlformats.org/officeDocument/2006/math" xmlns:a14="http://schemas.microsoft.com/office/drawing/2010/main" xmlns:ma14="http://schemas.microsoft.com/office/mac/drawingml/2011/main" val="1"/>
             </a:ext>
           </a:extLst>
         </p:spPr>
@@ -5246,7 +5246,7 @@
 </file>
 
 <file path=ppt/slides/slide4.xml><?xml version="1.0" encoding="utf-8"?>
-<p:sld xmlns:a="http://schemas.openxmlformats.org/drawingml/2006/main" xmlns:r="http://schemas.openxmlformats.org/officeDocument/2006/relationships" xmlns:p="http://schemas.openxmlformats.org/presentationml/2006/main" show="0">
+<p:sld xmlns:a="http://schemas.openxmlformats.org/drawingml/2006/main" xmlns:r="http://schemas.openxmlformats.org/officeDocument/2006/relationships" xmlns:p="http://schemas.openxmlformats.org/presentationml/2006/main">
   <p:cSld>
     <p:spTree>
       <p:nvGrpSpPr>
